--- a/usab/Abschlusspräsentation.pptx
+++ b/usab/Abschlusspräsentation.pptx
@@ -5,24 +5,26 @@
     <p:sldMasterId id="2147483648" r:id="rId1"/>
   </p:sldMasterIdLst>
   <p:notesMasterIdLst>
-    <p:notesMasterId r:id="rId17"/>
+    <p:notesMasterId r:id="rId19"/>
   </p:notesMasterIdLst>
   <p:sldIdLst>
     <p:sldId id="256" r:id="rId2"/>
     <p:sldId id="271" r:id="rId3"/>
-    <p:sldId id="278" r:id="rId4"/>
-    <p:sldId id="284" r:id="rId5"/>
-    <p:sldId id="285" r:id="rId6"/>
-    <p:sldId id="286" r:id="rId7"/>
-    <p:sldId id="292" r:id="rId8"/>
-    <p:sldId id="293" r:id="rId9"/>
-    <p:sldId id="294" r:id="rId10"/>
-    <p:sldId id="287" r:id="rId11"/>
-    <p:sldId id="273" r:id="rId12"/>
-    <p:sldId id="288" r:id="rId13"/>
-    <p:sldId id="289" r:id="rId14"/>
-    <p:sldId id="290" r:id="rId15"/>
-    <p:sldId id="291" r:id="rId16"/>
+    <p:sldId id="284" r:id="rId4"/>
+    <p:sldId id="285" r:id="rId5"/>
+    <p:sldId id="286" r:id="rId6"/>
+    <p:sldId id="292" r:id="rId7"/>
+    <p:sldId id="293" r:id="rId8"/>
+    <p:sldId id="294" r:id="rId9"/>
+    <p:sldId id="287" r:id="rId10"/>
+    <p:sldId id="273" r:id="rId11"/>
+    <p:sldId id="288" r:id="rId12"/>
+    <p:sldId id="289" r:id="rId13"/>
+    <p:sldId id="290" r:id="rId14"/>
+    <p:sldId id="291" r:id="rId15"/>
+    <p:sldId id="295" r:id="rId16"/>
+    <p:sldId id="296" r:id="rId17"/>
+    <p:sldId id="297" r:id="rId18"/>
   </p:sldIdLst>
   <p:sldSz cx="12192000" cy="6858000"/>
   <p:notesSz cx="6858000" cy="9144000"/>
@@ -244,7 +246,7 @@
           </a:lstStyle>
           <a:p>
             <a:fld id="{8718E019-CDAF-D642-92CF-A32A7B5D2B1F}" type="datetimeFigureOut">
-              <a:t>5/28/2018</a:t>
+              <a:t>5/29/2018</a:t>
             </a:fld>
             <a:endParaRPr lang="de-DE"/>
           </a:p>
@@ -658,7 +660,7 @@
           <a:p>
             <a:fld id="{4CBF3FDA-05A6-4B67-B1A0-7EE43F99B5DB}" type="datetimeFigureOut">
               <a:rPr lang="en-US" smtClean="0"/>
-              <a:t>5/28/2018</a:t>
+              <a:t>5/29/2018</a:t>
             </a:fld>
             <a:endParaRPr lang="en-US"/>
           </a:p>
@@ -856,7 +858,7 @@
           <a:p>
             <a:fld id="{4CBF3FDA-05A6-4B67-B1A0-7EE43F99B5DB}" type="datetimeFigureOut">
               <a:rPr lang="en-US" smtClean="0"/>
-              <a:t>5/28/2018</a:t>
+              <a:t>5/29/2018</a:t>
             </a:fld>
             <a:endParaRPr lang="en-US"/>
           </a:p>
@@ -1064,7 +1066,7 @@
           <a:p>
             <a:fld id="{4CBF3FDA-05A6-4B67-B1A0-7EE43F99B5DB}" type="datetimeFigureOut">
               <a:rPr lang="en-US" smtClean="0"/>
-              <a:t>5/28/2018</a:t>
+              <a:t>5/29/2018</a:t>
             </a:fld>
             <a:endParaRPr lang="en-US"/>
           </a:p>
@@ -1262,7 +1264,7 @@
           <a:p>
             <a:fld id="{4CBF3FDA-05A6-4B67-B1A0-7EE43F99B5DB}" type="datetimeFigureOut">
               <a:rPr lang="en-US" smtClean="0"/>
-              <a:t>5/28/2018</a:t>
+              <a:t>5/29/2018</a:t>
             </a:fld>
             <a:endParaRPr lang="en-US"/>
           </a:p>
@@ -1537,7 +1539,7 @@
           <a:p>
             <a:fld id="{4CBF3FDA-05A6-4B67-B1A0-7EE43F99B5DB}" type="datetimeFigureOut">
               <a:rPr lang="en-US" smtClean="0"/>
-              <a:t>5/28/2018</a:t>
+              <a:t>5/29/2018</a:t>
             </a:fld>
             <a:endParaRPr lang="en-US"/>
           </a:p>
@@ -1802,7 +1804,7 @@
           <a:p>
             <a:fld id="{4CBF3FDA-05A6-4B67-B1A0-7EE43F99B5DB}" type="datetimeFigureOut">
               <a:rPr lang="en-US" smtClean="0"/>
-              <a:t>5/28/2018</a:t>
+              <a:t>5/29/2018</a:t>
             </a:fld>
             <a:endParaRPr lang="en-US"/>
           </a:p>
@@ -2214,7 +2216,7 @@
           <a:p>
             <a:fld id="{4CBF3FDA-05A6-4B67-B1A0-7EE43F99B5DB}" type="datetimeFigureOut">
               <a:rPr lang="en-US" smtClean="0"/>
-              <a:t>5/28/2018</a:t>
+              <a:t>5/29/2018</a:t>
             </a:fld>
             <a:endParaRPr lang="en-US"/>
           </a:p>
@@ -2355,7 +2357,7 @@
           <a:p>
             <a:fld id="{4CBF3FDA-05A6-4B67-B1A0-7EE43F99B5DB}" type="datetimeFigureOut">
               <a:rPr lang="en-US" smtClean="0"/>
-              <a:t>5/28/2018</a:t>
+              <a:t>5/29/2018</a:t>
             </a:fld>
             <a:endParaRPr lang="en-US"/>
           </a:p>
@@ -2468,7 +2470,7 @@
           <a:p>
             <a:fld id="{4CBF3FDA-05A6-4B67-B1A0-7EE43F99B5DB}" type="datetimeFigureOut">
               <a:rPr lang="en-US" smtClean="0"/>
-              <a:t>5/28/2018</a:t>
+              <a:t>5/29/2018</a:t>
             </a:fld>
             <a:endParaRPr lang="en-US"/>
           </a:p>
@@ -2779,7 +2781,7 @@
           <a:p>
             <a:fld id="{4CBF3FDA-05A6-4B67-B1A0-7EE43F99B5DB}" type="datetimeFigureOut">
               <a:rPr lang="en-US" smtClean="0"/>
-              <a:t>5/28/2018</a:t>
+              <a:t>5/29/2018</a:t>
             </a:fld>
             <a:endParaRPr lang="en-US"/>
           </a:p>
@@ -3067,7 +3069,7 @@
           <a:p>
             <a:fld id="{4CBF3FDA-05A6-4B67-B1A0-7EE43F99B5DB}" type="datetimeFigureOut">
               <a:rPr lang="en-US" smtClean="0"/>
-              <a:t>5/28/2018</a:t>
+              <a:t>5/29/2018</a:t>
             </a:fld>
             <a:endParaRPr lang="en-US"/>
           </a:p>
@@ -3308,7 +3310,7 @@
           <a:p>
             <a:fld id="{4CBF3FDA-05A6-4B67-B1A0-7EE43F99B5DB}" type="datetimeFigureOut">
               <a:rPr lang="en-US" smtClean="0"/>
-              <a:t>5/28/2018</a:t>
+              <a:t>5/29/2018</a:t>
             </a:fld>
             <a:endParaRPr lang="en-US"/>
           </a:p>
@@ -3805,12 +3807,9 @@
           <a:p>
             <a:r>
               <a:rPr lang="en-US" sz="3200" dirty="0" err="1"/>
-              <a:t>Umfrage</a:t>
-            </a:r>
-            <a:r>
-              <a:rPr lang="en-US" sz="3200" dirty="0"/>
-              <a:t> &amp; Interview</a:t>
-            </a:r>
+              <a:t>Abschlusspräsentation</a:t>
+            </a:r>
+            <a:endParaRPr lang="en-US" sz="3200" dirty="0"/>
           </a:p>
         </p:txBody>
       </p:sp>
@@ -3887,6 +3886,42 @@
         <p:spPr>
           <a:xfrm>
             <a:off x="7869836" y="3781260"/>
+            <a:ext cx="3076740" cy="3076740"/>
+          </a:xfrm>
+          <a:prstGeom prst="rect">
+            <a:avLst/>
+          </a:prstGeom>
+        </p:spPr>
+      </p:pic>
+      <p:pic>
+        <p:nvPicPr>
+          <p:cNvPr id="8" name="Picture 5">
+            <a:extLst>
+              <a:ext uri="{FF2B5EF4-FFF2-40B4-BE49-F238E27FC236}">
+                <a16:creationId xmlns:a16="http://schemas.microsoft.com/office/drawing/2014/main" id="{8557D3EA-1FFE-4B88-BDF1-A9A7FE4E8C60}"/>
+              </a:ext>
+            </a:extLst>
+          </p:cNvPr>
+          <p:cNvPicPr>
+            <a:picLocks noChangeAspect="1"/>
+          </p:cNvPicPr>
+          <p:nvPr/>
+        </p:nvPicPr>
+        <p:blipFill>
+          <a:blip r:embed="rId2">
+            <a:extLst>
+              <a:ext uri="{28A0092B-C50C-407E-A947-70E740481C1C}">
+                <a14:useLocalDpi xmlns:a14="http://schemas.microsoft.com/office/drawing/2010/main" val="0"/>
+              </a:ext>
+            </a:extLst>
+          </a:blip>
+          <a:stretch>
+            <a:fillRect/>
+          </a:stretch>
+        </p:blipFill>
+        <p:spPr>
+          <a:xfrm>
+            <a:off x="1075096" y="3542596"/>
             <a:ext cx="3076740" cy="3076740"/>
           </a:xfrm>
           <a:prstGeom prst="rect">
@@ -3926,12 +3961,18 @@
       </p:grpSpPr>
       <p:sp>
         <p:nvSpPr>
-          <p:cNvPr id="2" name="Title 1"/>
-          <p:cNvSpPr>
-            <a:spLocks noGrp="1"/>
-          </p:cNvSpPr>
-          <p:nvPr>
-            <p:ph type="title"/>
+          <p:cNvPr id="2" name="Title 1">
+            <a:extLst>
+              <a:ext uri="{FF2B5EF4-FFF2-40B4-BE49-F238E27FC236}">
+                <a16:creationId xmlns:a16="http://schemas.microsoft.com/office/drawing/2014/main" id="{E963BF55-D87B-4EEA-B2A9-11D9646B8ABF}"/>
+              </a:ext>
+            </a:extLst>
+          </p:cNvPr>
+          <p:cNvSpPr>
+            <a:spLocks noGrp="1"/>
+          </p:cNvSpPr>
+          <p:nvPr>
+            <p:ph type="ctrTitle"/>
           </p:nvPr>
         </p:nvSpPr>
         <p:spPr/>
@@ -3939,7 +3980,36 @@
           <a:bodyPr/>
           <a:lstStyle/>
           <a:p>
-            <a:endParaRPr lang="de-DE" b="1" dirty="0"/>
+            <a:r>
+              <a:rPr lang="de-CH" dirty="0"/>
+              <a:t>Website</a:t>
+            </a:r>
+            <a:endParaRPr lang="en-US" dirty="0"/>
+          </a:p>
+        </p:txBody>
+      </p:sp>
+      <p:sp>
+        <p:nvSpPr>
+          <p:cNvPr id="3" name="Subtitle 2">
+            <a:extLst>
+              <a:ext uri="{FF2B5EF4-FFF2-40B4-BE49-F238E27FC236}">
+                <a16:creationId xmlns:a16="http://schemas.microsoft.com/office/drawing/2014/main" id="{B835F513-471D-4E14-9773-51CF6EB1CFEA}"/>
+              </a:ext>
+            </a:extLst>
+          </p:cNvPr>
+          <p:cNvSpPr>
+            <a:spLocks noGrp="1"/>
+          </p:cNvSpPr>
+          <p:nvPr>
+            <p:ph type="subTitle" idx="1"/>
+          </p:nvPr>
+        </p:nvSpPr>
+        <p:spPr/>
+        <p:txBody>
+          <a:bodyPr/>
+          <a:lstStyle/>
+          <a:p>
+            <a:endParaRPr lang="en-US"/>
           </a:p>
         </p:txBody>
       </p:sp>
@@ -3993,132 +4063,10 @@
           </a:p>
         </p:txBody>
       </p:sp>
-      <p:pic>
-        <p:nvPicPr>
-          <p:cNvPr id="6" name="Grafik 5">
-            <a:extLst>
-              <a:ext uri="{FF2B5EF4-FFF2-40B4-BE49-F238E27FC236}">
-                <a16:creationId xmlns:a16="http://schemas.microsoft.com/office/drawing/2014/main" id="{CE0D29B6-335C-4231-A4D4-3686897C4880}"/>
-              </a:ext>
-            </a:extLst>
-          </p:cNvPr>
-          <p:cNvPicPr>
-            <a:picLocks noChangeAspect="1"/>
-          </p:cNvPicPr>
-          <p:nvPr/>
-        </p:nvPicPr>
-        <p:blipFill>
-          <a:blip r:embed="rId2"/>
-          <a:stretch>
-            <a:fillRect/>
-          </a:stretch>
-        </p:blipFill>
-        <p:spPr>
-          <a:xfrm>
-            <a:off x="8722926" y="425450"/>
-            <a:ext cx="3122790" cy="5765799"/>
-          </a:xfrm>
-          <a:prstGeom prst="rect">
-            <a:avLst/>
-          </a:prstGeom>
-        </p:spPr>
-      </p:pic>
-      <p:pic>
-        <p:nvPicPr>
-          <p:cNvPr id="3" name="Grafik 2">
-            <a:extLst>
-              <a:ext uri="{FF2B5EF4-FFF2-40B4-BE49-F238E27FC236}">
-                <a16:creationId xmlns:a16="http://schemas.microsoft.com/office/drawing/2014/main" id="{63042D71-0159-46F4-A5C8-695554310D57}"/>
-              </a:ext>
-            </a:extLst>
-          </p:cNvPr>
-          <p:cNvPicPr>
-            <a:picLocks noChangeAspect="1"/>
-          </p:cNvPicPr>
-          <p:nvPr/>
-        </p:nvPicPr>
-        <p:blipFill>
-          <a:blip r:embed="rId3"/>
-          <a:stretch>
-            <a:fillRect/>
-          </a:stretch>
-        </p:blipFill>
-        <p:spPr>
-          <a:xfrm>
-            <a:off x="6502400" y="4686300"/>
-            <a:ext cx="2220526" cy="1220787"/>
-          </a:xfrm>
-          <a:prstGeom prst="rect">
-            <a:avLst/>
-          </a:prstGeom>
-        </p:spPr>
-      </p:pic>
-      <p:pic>
-        <p:nvPicPr>
-          <p:cNvPr id="7" name="Grafik 6">
-            <a:extLst>
-              <a:ext uri="{FF2B5EF4-FFF2-40B4-BE49-F238E27FC236}">
-                <a16:creationId xmlns:a16="http://schemas.microsoft.com/office/drawing/2014/main" id="{1032B961-C799-4718-8BAB-E9C5848FDE6E}"/>
-              </a:ext>
-            </a:extLst>
-          </p:cNvPr>
-          <p:cNvPicPr>
-            <a:picLocks noChangeAspect="1"/>
-          </p:cNvPicPr>
-          <p:nvPr/>
-        </p:nvPicPr>
-        <p:blipFill>
-          <a:blip r:embed="rId4"/>
-          <a:stretch>
-            <a:fillRect/>
-          </a:stretch>
-        </p:blipFill>
-        <p:spPr>
-          <a:xfrm>
-            <a:off x="6651625" y="2742894"/>
-            <a:ext cx="2117725" cy="942967"/>
-          </a:xfrm>
-          <a:prstGeom prst="rect">
-            <a:avLst/>
-          </a:prstGeom>
-        </p:spPr>
-      </p:pic>
-      <p:sp>
-        <p:nvSpPr>
-          <p:cNvPr id="8" name="Textfeld 7">
-            <a:extLst>
-              <a:ext uri="{FF2B5EF4-FFF2-40B4-BE49-F238E27FC236}">
-                <a16:creationId xmlns:a16="http://schemas.microsoft.com/office/drawing/2014/main" id="{3F2A67D2-759B-4CBE-A556-D17DB09A5EF8}"/>
-              </a:ext>
-            </a:extLst>
-          </p:cNvPr>
-          <p:cNvSpPr txBox="1"/>
-          <p:nvPr/>
-        </p:nvSpPr>
-        <p:spPr>
-          <a:xfrm>
-            <a:off x="882650" y="1847850"/>
-            <a:ext cx="5334000" cy="4248150"/>
-          </a:xfrm>
-          <a:prstGeom prst="rect">
-            <a:avLst/>
-          </a:prstGeom>
-          <a:noFill/>
-        </p:spPr>
-        <p:txBody>
-          <a:bodyPr wrap="square" rtlCol="0">
-            <a:spAutoFit/>
-          </a:bodyPr>
-          <a:lstStyle/>
-          <a:p>
-            <a:endParaRPr lang="en-US" dirty="0"/>
-          </a:p>
-        </p:txBody>
-      </p:sp>
     </p:spTree>
     <p:extLst>
       <p:ext uri="{BB962C8B-B14F-4D97-AF65-F5344CB8AC3E}">
-        <p14:creationId xmlns:p14="http://schemas.microsoft.com/office/powerpoint/2010/main" val="1243966148"/>
+        <p14:creationId xmlns:p14="http://schemas.microsoft.com/office/powerpoint/2010/main" val="1400091409"/>
       </p:ext>
     </p:extLst>
   </p:cSld>
@@ -4147,55 +4095,28 @@
       </p:grpSpPr>
       <p:sp>
         <p:nvSpPr>
-          <p:cNvPr id="2" name="Title 1">
-            <a:extLst>
-              <a:ext uri="{FF2B5EF4-FFF2-40B4-BE49-F238E27FC236}">
-                <a16:creationId xmlns:a16="http://schemas.microsoft.com/office/drawing/2014/main" id="{E963BF55-D87B-4EEA-B2A9-11D9646B8ABF}"/>
-              </a:ext>
-            </a:extLst>
-          </p:cNvPr>
-          <p:cNvSpPr>
-            <a:spLocks noGrp="1"/>
-          </p:cNvSpPr>
-          <p:nvPr>
-            <p:ph type="ctrTitle"/>
-          </p:nvPr>
-        </p:nvSpPr>
-        <p:spPr/>
+          <p:cNvPr id="2" name="Title 1"/>
+          <p:cNvSpPr>
+            <a:spLocks noGrp="1"/>
+          </p:cNvSpPr>
+          <p:nvPr>
+            <p:ph type="title"/>
+          </p:nvPr>
+        </p:nvSpPr>
+        <p:spPr>
+          <a:xfrm>
+            <a:off x="838200" y="365125"/>
+            <a:ext cx="4090358" cy="1325563"/>
+          </a:xfrm>
+        </p:spPr>
         <p:txBody>
           <a:bodyPr/>
           <a:lstStyle/>
           <a:p>
             <a:r>
-              <a:rPr lang="de-CH" dirty="0"/>
-              <a:t>Website</a:t>
-            </a:r>
-            <a:endParaRPr lang="en-US" dirty="0"/>
-          </a:p>
-        </p:txBody>
-      </p:sp>
-      <p:sp>
-        <p:nvSpPr>
-          <p:cNvPr id="3" name="Subtitle 2">
-            <a:extLst>
-              <a:ext uri="{FF2B5EF4-FFF2-40B4-BE49-F238E27FC236}">
-                <a16:creationId xmlns:a16="http://schemas.microsoft.com/office/drawing/2014/main" id="{B835F513-471D-4E14-9773-51CF6EB1CFEA}"/>
-              </a:ext>
-            </a:extLst>
-          </p:cNvPr>
-          <p:cNvSpPr>
-            <a:spLocks noGrp="1"/>
-          </p:cNvSpPr>
-          <p:nvPr>
-            <p:ph type="subTitle" idx="1"/>
-          </p:nvPr>
-        </p:nvSpPr>
-        <p:spPr/>
-        <p:txBody>
-          <a:bodyPr/>
-          <a:lstStyle/>
-          <a:p>
-            <a:endParaRPr lang="en-US"/>
+              <a:rPr lang="de-DE" b="1" dirty="0"/>
+              <a:t>Startseite</a:t>
+            </a:r>
           </a:p>
         </p:txBody>
       </p:sp>
@@ -4249,10 +4170,90 @@
           </a:p>
         </p:txBody>
       </p:sp>
+      <p:pic>
+        <p:nvPicPr>
+          <p:cNvPr id="3" name="Grafik 2">
+            <a:extLst>
+              <a:ext uri="{FF2B5EF4-FFF2-40B4-BE49-F238E27FC236}">
+                <a16:creationId xmlns:a16="http://schemas.microsoft.com/office/drawing/2014/main" id="{30B41B1A-7FE0-4CF7-A19E-7B6775568303}"/>
+              </a:ext>
+            </a:extLst>
+          </p:cNvPr>
+          <p:cNvPicPr>
+            <a:picLocks noChangeAspect="1"/>
+          </p:cNvPicPr>
+          <p:nvPr/>
+        </p:nvPicPr>
+        <p:blipFill>
+          <a:blip r:embed="rId2"/>
+          <a:stretch>
+            <a:fillRect/>
+          </a:stretch>
+        </p:blipFill>
+        <p:spPr>
+          <a:xfrm>
+            <a:off x="5256361" y="567858"/>
+            <a:ext cx="6710649" cy="5600029"/>
+          </a:xfrm>
+          <a:prstGeom prst="rect">
+            <a:avLst/>
+          </a:prstGeom>
+        </p:spPr>
+      </p:pic>
+      <p:sp>
+        <p:nvSpPr>
+          <p:cNvPr id="5" name="Textfeld 4">
+            <a:extLst>
+              <a:ext uri="{FF2B5EF4-FFF2-40B4-BE49-F238E27FC236}">
+                <a16:creationId xmlns:a16="http://schemas.microsoft.com/office/drawing/2014/main" id="{E20A9FFB-4DEA-4697-8811-013A407555FD}"/>
+              </a:ext>
+            </a:extLst>
+          </p:cNvPr>
+          <p:cNvSpPr txBox="1"/>
+          <p:nvPr/>
+        </p:nvSpPr>
+        <p:spPr>
+          <a:xfrm>
+            <a:off x="882650" y="1847850"/>
+            <a:ext cx="3453561" cy="923330"/>
+          </a:xfrm>
+          <a:prstGeom prst="rect">
+            <a:avLst/>
+          </a:prstGeom>
+          <a:noFill/>
+        </p:spPr>
+        <p:txBody>
+          <a:bodyPr wrap="square" rtlCol="0">
+            <a:spAutoFit/>
+          </a:bodyPr>
+          <a:lstStyle/>
+          <a:p>
+            <a:pPr marL="285750" indent="-285750">
+              <a:buFont typeface="Arial" panose="020B0604020202020204" pitchFamily="34" charset="0"/>
+              <a:buChar char="•"/>
+            </a:pPr>
+            <a:r>
+              <a:rPr lang="de-CH" dirty="0"/>
+              <a:t>Suche wurde schnell erkannt</a:t>
+            </a:r>
+          </a:p>
+          <a:p>
+            <a:pPr marL="285750" indent="-285750">
+              <a:buFont typeface="Arial" panose="020B0604020202020204" pitchFamily="34" charset="0"/>
+              <a:buChar char="•"/>
+            </a:pPr>
+            <a:r>
+              <a:rPr lang="de-CH" dirty="0"/>
+              <a:t>Login wurde konsistent gefunden</a:t>
+            </a:r>
+            <a:endParaRPr lang="en-US" dirty="0"/>
+          </a:p>
+        </p:txBody>
+      </p:sp>
     </p:spTree>
     <p:extLst>
       <p:ext uri="{BB962C8B-B14F-4D97-AF65-F5344CB8AC3E}">
-        <p14:creationId xmlns:p14="http://schemas.microsoft.com/office/powerpoint/2010/main" val="1400091409"/>
+        <p14:creationId xmlns:p14="http://schemas.microsoft.com/office/powerpoint/2010/main" val="862829431"/>
       </p:ext>
     </p:extLst>
   </p:cSld>
@@ -4294,7 +4295,10 @@
           <a:bodyPr/>
           <a:lstStyle/>
           <a:p>
-            <a:endParaRPr lang="de-DE" b="1" dirty="0"/>
+            <a:r>
+              <a:rPr lang="de-DE" b="1" dirty="0"/>
+              <a:t>Funktionsübersicht</a:t>
+            </a:r>
           </a:p>
         </p:txBody>
       </p:sp>
@@ -4348,10 +4352,117 @@
           </a:p>
         </p:txBody>
       </p:sp>
+      <p:sp>
+        <p:nvSpPr>
+          <p:cNvPr id="5" name="Textfeld 4">
+            <a:extLst>
+              <a:ext uri="{FF2B5EF4-FFF2-40B4-BE49-F238E27FC236}">
+                <a16:creationId xmlns:a16="http://schemas.microsoft.com/office/drawing/2014/main" id="{05E889B4-FD9B-4F56-8943-A5DB8EF3D893}"/>
+              </a:ext>
+            </a:extLst>
+          </p:cNvPr>
+          <p:cNvSpPr txBox="1"/>
+          <p:nvPr/>
+        </p:nvSpPr>
+        <p:spPr>
+          <a:xfrm>
+            <a:off x="882650" y="1847850"/>
+            <a:ext cx="3453561" cy="3970318"/>
+          </a:xfrm>
+          <a:prstGeom prst="rect">
+            <a:avLst/>
+          </a:prstGeom>
+          <a:noFill/>
+        </p:spPr>
+        <p:txBody>
+          <a:bodyPr wrap="square" rtlCol="0">
+            <a:spAutoFit/>
+          </a:bodyPr>
+          <a:lstStyle/>
+          <a:p>
+            <a:pPr marL="285750" indent="-285750">
+              <a:buFont typeface="Arial" panose="020B0604020202020204" pitchFamily="34" charset="0"/>
+              <a:buChar char="•"/>
+            </a:pPr>
+            <a:r>
+              <a:rPr lang="de-CH" dirty="0"/>
+              <a:t>Suche wurde konsistent gefunden</a:t>
+            </a:r>
+          </a:p>
+          <a:p>
+            <a:pPr marL="285750" indent="-285750">
+              <a:buFont typeface="Arial" panose="020B0604020202020204" pitchFamily="34" charset="0"/>
+              <a:buChar char="•"/>
+            </a:pPr>
+            <a:r>
+              <a:rPr lang="de-CH" dirty="0"/>
+              <a:t>Logout wurde konsistent gefunden</a:t>
+            </a:r>
+          </a:p>
+          <a:p>
+            <a:pPr marL="285750" indent="-285750">
+              <a:buFont typeface="Arial" panose="020B0604020202020204" pitchFamily="34" charset="0"/>
+              <a:buChar char="•"/>
+            </a:pPr>
+            <a:endParaRPr lang="de-CH" dirty="0"/>
+          </a:p>
+          <a:p>
+            <a:pPr marL="285750" indent="-285750">
+              <a:buFont typeface="Arial" panose="020B0604020202020204" pitchFamily="34" charset="0"/>
+              <a:buChar char="•"/>
+            </a:pPr>
+            <a:r>
+              <a:rPr lang="de-CH" dirty="0"/>
+              <a:t>Testpersonen hatten Mühe, zur Funktionsübersicht zurückzukehren</a:t>
+            </a:r>
+          </a:p>
+          <a:p>
+            <a:pPr marL="742950" lvl="1" indent="-285750">
+              <a:buFont typeface="Arial" panose="020B0604020202020204" pitchFamily="34" charset="0"/>
+              <a:buChar char="•"/>
+            </a:pPr>
+            <a:r>
+              <a:rPr lang="de-CH" dirty="0"/>
+              <a:t>Änderung: Ein Button in der Menu Leiste hinzufügen, welcher direkt zur Funktionsübersicht führt (nicht via klick auf den User)</a:t>
+            </a:r>
+            <a:endParaRPr lang="en-US" dirty="0"/>
+          </a:p>
+        </p:txBody>
+      </p:sp>
+      <p:pic>
+        <p:nvPicPr>
+          <p:cNvPr id="3" name="Grafik 2">
+            <a:extLst>
+              <a:ext uri="{FF2B5EF4-FFF2-40B4-BE49-F238E27FC236}">
+                <a16:creationId xmlns:a16="http://schemas.microsoft.com/office/drawing/2014/main" id="{D1ECF68A-26DD-487A-9051-3E4A9A802A2C}"/>
+              </a:ext>
+            </a:extLst>
+          </p:cNvPr>
+          <p:cNvPicPr>
+            <a:picLocks noChangeAspect="1"/>
+          </p:cNvPicPr>
+          <p:nvPr/>
+        </p:nvPicPr>
+        <p:blipFill>
+          <a:blip r:embed="rId2"/>
+          <a:stretch>
+            <a:fillRect/>
+          </a:stretch>
+        </p:blipFill>
+        <p:spPr>
+          <a:xfrm>
+            <a:off x="5495689" y="822385"/>
+            <a:ext cx="6254900" cy="5236234"/>
+          </a:xfrm>
+          <a:prstGeom prst="rect">
+            <a:avLst/>
+          </a:prstGeom>
+        </p:spPr>
+      </p:pic>
     </p:spTree>
     <p:extLst>
       <p:ext uri="{BB962C8B-B14F-4D97-AF65-F5344CB8AC3E}">
-        <p14:creationId xmlns:p14="http://schemas.microsoft.com/office/powerpoint/2010/main" val="862829431"/>
+        <p14:creationId xmlns:p14="http://schemas.microsoft.com/office/powerpoint/2010/main" val="3168124869"/>
       </p:ext>
     </p:extLst>
   </p:cSld>
@@ -4393,7 +4504,10 @@
           <a:bodyPr/>
           <a:lstStyle/>
           <a:p>
-            <a:endParaRPr lang="de-DE" b="1" dirty="0"/>
+            <a:r>
+              <a:rPr lang="de-DE" b="1" dirty="0"/>
+              <a:t>Auto hinzufügen</a:t>
+            </a:r>
           </a:p>
         </p:txBody>
       </p:sp>
@@ -4447,10 +4561,123 @@
           </a:p>
         </p:txBody>
       </p:sp>
+      <p:sp>
+        <p:nvSpPr>
+          <p:cNvPr id="5" name="Textfeld 4">
+            <a:extLst>
+              <a:ext uri="{FF2B5EF4-FFF2-40B4-BE49-F238E27FC236}">
+                <a16:creationId xmlns:a16="http://schemas.microsoft.com/office/drawing/2014/main" id="{E66D80A9-5B18-42E5-A290-D3F3A5570FD0}"/>
+              </a:ext>
+            </a:extLst>
+          </p:cNvPr>
+          <p:cNvSpPr txBox="1"/>
+          <p:nvPr/>
+        </p:nvSpPr>
+        <p:spPr>
+          <a:xfrm>
+            <a:off x="882650" y="1847850"/>
+            <a:ext cx="3453561" cy="2308324"/>
+          </a:xfrm>
+          <a:prstGeom prst="rect">
+            <a:avLst/>
+          </a:prstGeom>
+          <a:noFill/>
+        </p:spPr>
+        <p:txBody>
+          <a:bodyPr wrap="square" rtlCol="0">
+            <a:spAutoFit/>
+          </a:bodyPr>
+          <a:lstStyle/>
+          <a:p>
+            <a:pPr marL="285750" indent="-285750">
+              <a:buFont typeface="Arial" panose="020B0604020202020204" pitchFamily="34" charset="0"/>
+              <a:buChar char="•"/>
+            </a:pPr>
+            <a:r>
+              <a:rPr lang="de-CH" dirty="0"/>
+              <a:t>User hatten am meisten Mühe, dieses Menu zu finden </a:t>
+            </a:r>
+          </a:p>
+          <a:p>
+            <a:pPr marL="742950" lvl="1" indent="-285750">
+              <a:buFont typeface="Arial" panose="020B0604020202020204" pitchFamily="34" charset="0"/>
+              <a:buChar char="•"/>
+            </a:pPr>
+            <a:r>
+              <a:rPr lang="de-CH" dirty="0"/>
+              <a:t>Kleines «</a:t>
+            </a:r>
+            <a:r>
+              <a:rPr lang="de-CH" dirty="0" err="1"/>
+              <a:t>How</a:t>
+            </a:r>
+            <a:r>
+              <a:rPr lang="de-CH" dirty="0"/>
+              <a:t> </a:t>
+            </a:r>
+            <a:r>
+              <a:rPr lang="de-CH" dirty="0" err="1"/>
+              <a:t>To</a:t>
+            </a:r>
+            <a:r>
+              <a:rPr lang="de-CH" dirty="0"/>
+              <a:t>» Tutorial nach erster Anmeldung</a:t>
+            </a:r>
+          </a:p>
+          <a:p>
+            <a:pPr marL="285750" indent="-285750">
+              <a:buFont typeface="Arial" panose="020B0604020202020204" pitchFamily="34" charset="0"/>
+              <a:buChar char="•"/>
+            </a:pPr>
+            <a:endParaRPr lang="de-CH" dirty="0"/>
+          </a:p>
+          <a:p>
+            <a:pPr marL="285750" indent="-285750">
+              <a:buFont typeface="Arial" panose="020B0604020202020204" pitchFamily="34" charset="0"/>
+              <a:buChar char="•"/>
+            </a:pPr>
+            <a:r>
+              <a:rPr lang="de-CH" dirty="0"/>
+              <a:t>Bild konnte von allen Testpersonen hinzugefügt werden</a:t>
+            </a:r>
+            <a:endParaRPr lang="en-US" dirty="0"/>
+          </a:p>
+        </p:txBody>
+      </p:sp>
+      <p:pic>
+        <p:nvPicPr>
+          <p:cNvPr id="3" name="Grafik 2">
+            <a:extLst>
+              <a:ext uri="{FF2B5EF4-FFF2-40B4-BE49-F238E27FC236}">
+                <a16:creationId xmlns:a16="http://schemas.microsoft.com/office/drawing/2014/main" id="{51810BEF-3C6A-4866-A684-13B204A40927}"/>
+              </a:ext>
+            </a:extLst>
+          </p:cNvPr>
+          <p:cNvPicPr>
+            <a:picLocks noChangeAspect="1"/>
+          </p:cNvPicPr>
+          <p:nvPr/>
+        </p:nvPicPr>
+        <p:blipFill>
+          <a:blip r:embed="rId2"/>
+          <a:stretch>
+            <a:fillRect/>
+          </a:stretch>
+        </p:blipFill>
+        <p:spPr>
+          <a:xfrm>
+            <a:off x="4906803" y="540589"/>
+            <a:ext cx="6961319" cy="5848649"/>
+          </a:xfrm>
+          <a:prstGeom prst="rect">
+            <a:avLst/>
+          </a:prstGeom>
+        </p:spPr>
+      </p:pic>
     </p:spTree>
     <p:extLst>
       <p:ext uri="{BB962C8B-B14F-4D97-AF65-F5344CB8AC3E}">
-        <p14:creationId xmlns:p14="http://schemas.microsoft.com/office/powerpoint/2010/main" val="3168124869"/>
+        <p14:creationId xmlns:p14="http://schemas.microsoft.com/office/powerpoint/2010/main" val="1862808201"/>
       </p:ext>
     </p:extLst>
   </p:cSld>
@@ -4492,7 +4719,10 @@
           <a:bodyPr/>
           <a:lstStyle/>
           <a:p>
-            <a:endParaRPr lang="de-DE" b="1" dirty="0"/>
+            <a:r>
+              <a:rPr lang="de-DE" b="1" dirty="0"/>
+              <a:t>Kontoeinstellungen</a:t>
+            </a:r>
           </a:p>
         </p:txBody>
       </p:sp>
@@ -4546,10 +4776,95 @@
           </a:p>
         </p:txBody>
       </p:sp>
+      <p:sp>
+        <p:nvSpPr>
+          <p:cNvPr id="5" name="Textfeld 4">
+            <a:extLst>
+              <a:ext uri="{FF2B5EF4-FFF2-40B4-BE49-F238E27FC236}">
+                <a16:creationId xmlns:a16="http://schemas.microsoft.com/office/drawing/2014/main" id="{17AC0AEC-8AD5-4A9C-9D00-4B6C2C328E5C}"/>
+              </a:ext>
+            </a:extLst>
+          </p:cNvPr>
+          <p:cNvSpPr txBox="1"/>
+          <p:nvPr/>
+        </p:nvSpPr>
+        <p:spPr>
+          <a:xfrm>
+            <a:off x="882650" y="1847850"/>
+            <a:ext cx="3453561" cy="923330"/>
+          </a:xfrm>
+          <a:prstGeom prst="rect">
+            <a:avLst/>
+          </a:prstGeom>
+          <a:noFill/>
+        </p:spPr>
+        <p:txBody>
+          <a:bodyPr wrap="square" rtlCol="0">
+            <a:spAutoFit/>
+          </a:bodyPr>
+          <a:lstStyle/>
+          <a:p>
+            <a:pPr marL="285750" indent="-285750">
+              <a:buFont typeface="Arial" panose="020B0604020202020204" pitchFamily="34" charset="0"/>
+              <a:buChar char="•"/>
+            </a:pPr>
+            <a:r>
+              <a:rPr lang="de-CH" dirty="0"/>
+              <a:t>Sample Text «</a:t>
+            </a:r>
+            <a:r>
+              <a:rPr lang="de-CH" dirty="0" err="1"/>
+              <a:t>Lorem</a:t>
+            </a:r>
+            <a:r>
+              <a:rPr lang="de-CH" dirty="0"/>
+              <a:t> </a:t>
+            </a:r>
+            <a:r>
+              <a:rPr lang="de-CH" dirty="0" err="1"/>
+              <a:t>ipsum</a:t>
+            </a:r>
+            <a:r>
+              <a:rPr lang="de-CH" dirty="0"/>
+              <a:t>» war verwirrend, durch «richtigen» Text ersetzen</a:t>
+            </a:r>
+          </a:p>
+        </p:txBody>
+      </p:sp>
+      <p:pic>
+        <p:nvPicPr>
+          <p:cNvPr id="3" name="Grafik 2">
+            <a:extLst>
+              <a:ext uri="{FF2B5EF4-FFF2-40B4-BE49-F238E27FC236}">
+                <a16:creationId xmlns:a16="http://schemas.microsoft.com/office/drawing/2014/main" id="{AD551BAC-EA9D-4099-BB59-B222ABC91AE5}"/>
+              </a:ext>
+            </a:extLst>
+          </p:cNvPr>
+          <p:cNvPicPr>
+            <a:picLocks noChangeAspect="1"/>
+          </p:cNvPicPr>
+          <p:nvPr/>
+        </p:nvPicPr>
+        <p:blipFill>
+          <a:blip r:embed="rId2"/>
+          <a:stretch>
+            <a:fillRect/>
+          </a:stretch>
+        </p:blipFill>
+        <p:spPr>
+          <a:xfrm>
+            <a:off x="5217194" y="822385"/>
+            <a:ext cx="6749520" cy="5637788"/>
+          </a:xfrm>
+          <a:prstGeom prst="rect">
+            <a:avLst/>
+          </a:prstGeom>
+        </p:spPr>
+      </p:pic>
     </p:spTree>
     <p:extLst>
       <p:ext uri="{BB962C8B-B14F-4D97-AF65-F5344CB8AC3E}">
-        <p14:creationId xmlns:p14="http://schemas.microsoft.com/office/powerpoint/2010/main" val="1862808201"/>
+        <p14:creationId xmlns:p14="http://schemas.microsoft.com/office/powerpoint/2010/main" val="4127592526"/>
       </p:ext>
     </p:extLst>
   </p:cSld>
@@ -4591,7 +4906,10 @@
           <a:bodyPr/>
           <a:lstStyle/>
           <a:p>
-            <a:endParaRPr lang="de-DE" b="1" dirty="0"/>
+            <a:r>
+              <a:rPr lang="de-DE" b="1" dirty="0"/>
+              <a:t>Autosuche</a:t>
+            </a:r>
           </a:p>
         </p:txBody>
       </p:sp>
@@ -4645,10 +4963,508 @@
           </a:p>
         </p:txBody>
       </p:sp>
+      <p:sp>
+        <p:nvSpPr>
+          <p:cNvPr id="5" name="Textfeld 4">
+            <a:extLst>
+              <a:ext uri="{FF2B5EF4-FFF2-40B4-BE49-F238E27FC236}">
+                <a16:creationId xmlns:a16="http://schemas.microsoft.com/office/drawing/2014/main" id="{17AC0AEC-8AD5-4A9C-9D00-4B6C2C328E5C}"/>
+              </a:ext>
+            </a:extLst>
+          </p:cNvPr>
+          <p:cNvSpPr txBox="1"/>
+          <p:nvPr/>
+        </p:nvSpPr>
+        <p:spPr>
+          <a:xfrm>
+            <a:off x="882650" y="1847850"/>
+            <a:ext cx="3453561" cy="646331"/>
+          </a:xfrm>
+          <a:prstGeom prst="rect">
+            <a:avLst/>
+          </a:prstGeom>
+          <a:noFill/>
+        </p:spPr>
+        <p:txBody>
+          <a:bodyPr wrap="square" rtlCol="0">
+            <a:spAutoFit/>
+          </a:bodyPr>
+          <a:lstStyle/>
+          <a:p>
+            <a:pPr marL="285750" indent="-285750">
+              <a:buFont typeface="Arial" panose="020B0604020202020204" pitchFamily="34" charset="0"/>
+              <a:buChar char="•"/>
+            </a:pPr>
+            <a:r>
+              <a:rPr lang="de-CH" dirty="0"/>
+              <a:t>Positives Feedback von den Testpersonen</a:t>
+            </a:r>
+          </a:p>
+        </p:txBody>
+      </p:sp>
+      <p:pic>
+        <p:nvPicPr>
+          <p:cNvPr id="3" name="Grafik 2">
+            <a:extLst>
+              <a:ext uri="{FF2B5EF4-FFF2-40B4-BE49-F238E27FC236}">
+                <a16:creationId xmlns:a16="http://schemas.microsoft.com/office/drawing/2014/main" id="{F0D59E6C-8B4F-41D0-A214-36A8A63530DA}"/>
+              </a:ext>
+            </a:extLst>
+          </p:cNvPr>
+          <p:cNvPicPr>
+            <a:picLocks noChangeAspect="1"/>
+          </p:cNvPicPr>
+          <p:nvPr/>
+        </p:nvPicPr>
+        <p:blipFill>
+          <a:blip r:embed="rId2"/>
+          <a:stretch>
+            <a:fillRect/>
+          </a:stretch>
+        </p:blipFill>
+        <p:spPr>
+          <a:xfrm>
+            <a:off x="5469147" y="820553"/>
+            <a:ext cx="6485144" cy="5410593"/>
+          </a:xfrm>
+          <a:prstGeom prst="rect">
+            <a:avLst/>
+          </a:prstGeom>
+        </p:spPr>
+      </p:pic>
     </p:spTree>
     <p:extLst>
       <p:ext uri="{BB962C8B-B14F-4D97-AF65-F5344CB8AC3E}">
-        <p14:creationId xmlns:p14="http://schemas.microsoft.com/office/powerpoint/2010/main" val="4127592526"/>
+        <p14:creationId xmlns:p14="http://schemas.microsoft.com/office/powerpoint/2010/main" val="3700120260"/>
+      </p:ext>
+    </p:extLst>
+  </p:cSld>
+  <p:clrMapOvr>
+    <a:masterClrMapping/>
+  </p:clrMapOvr>
+</p:sld>
+</file>
+
+<file path=ppt/slides/slide16.xml><?xml version="1.0" encoding="utf-8"?>
+<p:sld xmlns:a="http://schemas.openxmlformats.org/drawingml/2006/main" xmlns:r="http://schemas.openxmlformats.org/officeDocument/2006/relationships" xmlns:p="http://schemas.openxmlformats.org/presentationml/2006/main">
+  <p:cSld>
+    <p:spTree>
+      <p:nvGrpSpPr>
+        <p:cNvPr id="1" name=""/>
+        <p:cNvGrpSpPr/>
+        <p:nvPr/>
+      </p:nvGrpSpPr>
+      <p:grpSpPr>
+        <a:xfrm>
+          <a:off x="0" y="0"/>
+          <a:ext cx="0" cy="0"/>
+          <a:chOff x="0" y="0"/>
+          <a:chExt cx="0" cy="0"/>
+        </a:xfrm>
+      </p:grpSpPr>
+      <p:sp>
+        <p:nvSpPr>
+          <p:cNvPr id="2" name="Title 1"/>
+          <p:cNvSpPr>
+            <a:spLocks noGrp="1"/>
+          </p:cNvSpPr>
+          <p:nvPr>
+            <p:ph type="title"/>
+          </p:nvPr>
+        </p:nvSpPr>
+        <p:spPr/>
+        <p:txBody>
+          <a:bodyPr/>
+          <a:lstStyle/>
+          <a:p>
+            <a:r>
+              <a:rPr lang="de-DE" b="1" dirty="0"/>
+              <a:t>Detailansicht</a:t>
+            </a:r>
+          </a:p>
+        </p:txBody>
+      </p:sp>
+      <p:sp>
+        <p:nvSpPr>
+          <p:cNvPr id="4" name="Rectangle 3"/>
+          <p:cNvSpPr/>
+          <p:nvPr/>
+        </p:nvSpPr>
+        <p:spPr>
+          <a:xfrm>
+            <a:off x="0" y="6652260"/>
+            <a:ext cx="12192000" cy="296228"/>
+          </a:xfrm>
+          <a:prstGeom prst="rect">
+            <a:avLst/>
+          </a:prstGeom>
+          <a:solidFill>
+            <a:srgbClr val="008EB3"/>
+          </a:solidFill>
+          <a:ln>
+            <a:noFill/>
+          </a:ln>
+        </p:spPr>
+        <p:style>
+          <a:lnRef idx="2">
+            <a:schemeClr val="accent1">
+              <a:shade val="50000"/>
+            </a:schemeClr>
+          </a:lnRef>
+          <a:fillRef idx="1">
+            <a:schemeClr val="accent1"/>
+          </a:fillRef>
+          <a:effectRef idx="0">
+            <a:schemeClr val="accent1"/>
+          </a:effectRef>
+          <a:fontRef idx="minor">
+            <a:schemeClr val="lt1"/>
+          </a:fontRef>
+        </p:style>
+        <p:txBody>
+          <a:bodyPr rtlCol="0" anchor="ctr"/>
+          <a:lstStyle/>
+          <a:p>
+            <a:pPr algn="ctr"/>
+            <a:endParaRPr lang="de-DE">
+              <a:solidFill>
+                <a:schemeClr val="bg1"/>
+              </a:solidFill>
+            </a:endParaRPr>
+          </a:p>
+        </p:txBody>
+      </p:sp>
+      <p:sp>
+        <p:nvSpPr>
+          <p:cNvPr id="5" name="Textfeld 4">
+            <a:extLst>
+              <a:ext uri="{FF2B5EF4-FFF2-40B4-BE49-F238E27FC236}">
+                <a16:creationId xmlns:a16="http://schemas.microsoft.com/office/drawing/2014/main" id="{17AC0AEC-8AD5-4A9C-9D00-4B6C2C328E5C}"/>
+              </a:ext>
+            </a:extLst>
+          </p:cNvPr>
+          <p:cNvSpPr txBox="1"/>
+          <p:nvPr/>
+        </p:nvSpPr>
+        <p:spPr>
+          <a:xfrm>
+            <a:off x="882650" y="1847850"/>
+            <a:ext cx="3453561" cy="2862322"/>
+          </a:xfrm>
+          <a:prstGeom prst="rect">
+            <a:avLst/>
+          </a:prstGeom>
+          <a:noFill/>
+        </p:spPr>
+        <p:txBody>
+          <a:bodyPr wrap="square" rtlCol="0">
+            <a:spAutoFit/>
+          </a:bodyPr>
+          <a:lstStyle/>
+          <a:p>
+            <a:pPr marL="285750" indent="-285750">
+              <a:buFont typeface="Arial" panose="020B0604020202020204" pitchFamily="34" charset="0"/>
+              <a:buChar char="•"/>
+            </a:pPr>
+            <a:r>
+              <a:rPr lang="de-CH" dirty="0"/>
+              <a:t>Preis fehlt</a:t>
+            </a:r>
+          </a:p>
+          <a:p>
+            <a:pPr marL="285750" indent="-285750">
+              <a:buFont typeface="Arial" panose="020B0604020202020204" pitchFamily="34" charset="0"/>
+              <a:buChar char="•"/>
+            </a:pPr>
+            <a:r>
+              <a:rPr lang="de-CH" dirty="0"/>
+              <a:t>Ansonsten übersichtlich</a:t>
+            </a:r>
+          </a:p>
+          <a:p>
+            <a:pPr marL="285750" indent="-285750">
+              <a:buFont typeface="Arial" panose="020B0604020202020204" pitchFamily="34" charset="0"/>
+              <a:buChar char="•"/>
+            </a:pPr>
+            <a:r>
+              <a:rPr lang="de-CH" dirty="0"/>
+              <a:t>Eine Testperson dachte, dass es sich lediglich um eine Beschreibung des Autos handelt</a:t>
+            </a:r>
+            <a:endParaRPr lang="en-US" dirty="0"/>
+          </a:p>
+          <a:p>
+            <a:pPr marL="742950" lvl="1" indent="-285750">
+              <a:buFont typeface="Arial" panose="020B0604020202020204" pitchFamily="34" charset="0"/>
+              <a:buChar char="•"/>
+            </a:pPr>
+            <a:r>
+              <a:rPr lang="de-CH" dirty="0"/>
+              <a:t>Ä</a:t>
+            </a:r>
+            <a:r>
+              <a:rPr lang="en-US" dirty="0" err="1"/>
+              <a:t>nderung</a:t>
+            </a:r>
+            <a:r>
+              <a:rPr lang="en-US" dirty="0"/>
+              <a:t>: </a:t>
+            </a:r>
+            <a:r>
+              <a:rPr lang="en-US" dirty="0" err="1"/>
+              <a:t>Informationen</a:t>
+            </a:r>
+            <a:r>
+              <a:rPr lang="en-US" dirty="0"/>
+              <a:t> </a:t>
+            </a:r>
+            <a:r>
+              <a:rPr lang="en-US" dirty="0" err="1"/>
+              <a:t>über</a:t>
+            </a:r>
+            <a:r>
+              <a:rPr lang="en-US" dirty="0"/>
+              <a:t> Auto und den User </a:t>
+            </a:r>
+            <a:r>
+              <a:rPr lang="en-US" dirty="0" err="1"/>
+              <a:t>klar</a:t>
+            </a:r>
+            <a:r>
+              <a:rPr lang="en-US" dirty="0"/>
+              <a:t> </a:t>
+            </a:r>
+            <a:r>
+              <a:rPr lang="en-US" dirty="0" err="1"/>
+              <a:t>trennen</a:t>
+            </a:r>
+            <a:r>
+              <a:rPr lang="en-US" dirty="0"/>
+              <a:t> (Separation of Concerns)</a:t>
+            </a:r>
+            <a:endParaRPr lang="de-CH" dirty="0"/>
+          </a:p>
+        </p:txBody>
+      </p:sp>
+      <p:pic>
+        <p:nvPicPr>
+          <p:cNvPr id="3" name="Grafik 2">
+            <a:extLst>
+              <a:ext uri="{FF2B5EF4-FFF2-40B4-BE49-F238E27FC236}">
+                <a16:creationId xmlns:a16="http://schemas.microsoft.com/office/drawing/2014/main" id="{7B46E3F7-2FAF-456E-8929-7EDFA4EB387E}"/>
+              </a:ext>
+            </a:extLst>
+          </p:cNvPr>
+          <p:cNvPicPr>
+            <a:picLocks noChangeAspect="1"/>
+          </p:cNvPicPr>
+          <p:nvPr/>
+        </p:nvPicPr>
+        <p:blipFill>
+          <a:blip r:embed="rId2"/>
+          <a:stretch>
+            <a:fillRect/>
+          </a:stretch>
+        </p:blipFill>
+        <p:spPr>
+          <a:xfrm>
+            <a:off x="5126637" y="885644"/>
+            <a:ext cx="6635915" cy="5546785"/>
+          </a:xfrm>
+          <a:prstGeom prst="rect">
+            <a:avLst/>
+          </a:prstGeom>
+        </p:spPr>
+      </p:pic>
+    </p:spTree>
+    <p:extLst>
+      <p:ext uri="{BB962C8B-B14F-4D97-AF65-F5344CB8AC3E}">
+        <p14:creationId xmlns:p14="http://schemas.microsoft.com/office/powerpoint/2010/main" val="2858223783"/>
+      </p:ext>
+    </p:extLst>
+  </p:cSld>
+  <p:clrMapOvr>
+    <a:masterClrMapping/>
+  </p:clrMapOvr>
+</p:sld>
+</file>
+
+<file path=ppt/slides/slide17.xml><?xml version="1.0" encoding="utf-8"?>
+<p:sld xmlns:a="http://schemas.openxmlformats.org/drawingml/2006/main" xmlns:r="http://schemas.openxmlformats.org/officeDocument/2006/relationships" xmlns:p="http://schemas.openxmlformats.org/presentationml/2006/main">
+  <p:cSld>
+    <p:spTree>
+      <p:nvGrpSpPr>
+        <p:cNvPr id="1" name=""/>
+        <p:cNvGrpSpPr/>
+        <p:nvPr/>
+      </p:nvGrpSpPr>
+      <p:grpSpPr>
+        <a:xfrm>
+          <a:off x="0" y="0"/>
+          <a:ext cx="0" cy="0"/>
+          <a:chOff x="0" y="0"/>
+          <a:chExt cx="0" cy="0"/>
+        </a:xfrm>
+      </p:grpSpPr>
+      <p:sp>
+        <p:nvSpPr>
+          <p:cNvPr id="2" name="Title 1"/>
+          <p:cNvSpPr>
+            <a:spLocks noGrp="1"/>
+          </p:cNvSpPr>
+          <p:nvPr>
+            <p:ph type="title"/>
+          </p:nvPr>
+        </p:nvSpPr>
+        <p:spPr/>
+        <p:txBody>
+          <a:bodyPr/>
+          <a:lstStyle/>
+          <a:p>
+            <a:r>
+              <a:rPr lang="de-DE" b="1" dirty="0"/>
+              <a:t>Fazit</a:t>
+            </a:r>
+          </a:p>
+        </p:txBody>
+      </p:sp>
+      <p:sp>
+        <p:nvSpPr>
+          <p:cNvPr id="4" name="Rectangle 3"/>
+          <p:cNvSpPr/>
+          <p:nvPr/>
+        </p:nvSpPr>
+        <p:spPr>
+          <a:xfrm>
+            <a:off x="0" y="6652260"/>
+            <a:ext cx="12192000" cy="296228"/>
+          </a:xfrm>
+          <a:prstGeom prst="rect">
+            <a:avLst/>
+          </a:prstGeom>
+          <a:solidFill>
+            <a:srgbClr val="008EB3"/>
+          </a:solidFill>
+          <a:ln>
+            <a:noFill/>
+          </a:ln>
+        </p:spPr>
+        <p:style>
+          <a:lnRef idx="2">
+            <a:schemeClr val="accent1">
+              <a:shade val="50000"/>
+            </a:schemeClr>
+          </a:lnRef>
+          <a:fillRef idx="1">
+            <a:schemeClr val="accent1"/>
+          </a:fillRef>
+          <a:effectRef idx="0">
+            <a:schemeClr val="accent1"/>
+          </a:effectRef>
+          <a:fontRef idx="minor">
+            <a:schemeClr val="lt1"/>
+          </a:fontRef>
+        </p:style>
+        <p:txBody>
+          <a:bodyPr rtlCol="0" anchor="ctr"/>
+          <a:lstStyle/>
+          <a:p>
+            <a:pPr algn="ctr"/>
+            <a:endParaRPr lang="de-DE">
+              <a:solidFill>
+                <a:schemeClr val="bg1"/>
+              </a:solidFill>
+            </a:endParaRPr>
+          </a:p>
+        </p:txBody>
+      </p:sp>
+      <p:sp>
+        <p:nvSpPr>
+          <p:cNvPr id="5" name="Textfeld 4">
+            <a:extLst>
+              <a:ext uri="{FF2B5EF4-FFF2-40B4-BE49-F238E27FC236}">
+                <a16:creationId xmlns:a16="http://schemas.microsoft.com/office/drawing/2014/main" id="{17AC0AEC-8AD5-4A9C-9D00-4B6C2C328E5C}"/>
+              </a:ext>
+            </a:extLst>
+          </p:cNvPr>
+          <p:cNvSpPr txBox="1"/>
+          <p:nvPr/>
+        </p:nvSpPr>
+        <p:spPr>
+          <a:xfrm>
+            <a:off x="882650" y="1847850"/>
+            <a:ext cx="10383448" cy="2031325"/>
+          </a:xfrm>
+          <a:prstGeom prst="rect">
+            <a:avLst/>
+          </a:prstGeom>
+          <a:noFill/>
+        </p:spPr>
+        <p:txBody>
+          <a:bodyPr wrap="square" rtlCol="0">
+            <a:spAutoFit/>
+          </a:bodyPr>
+          <a:lstStyle/>
+          <a:p>
+            <a:pPr marL="285750" indent="-285750">
+              <a:buFont typeface="Arial" panose="020B0604020202020204" pitchFamily="34" charset="0"/>
+              <a:buChar char="•"/>
+            </a:pPr>
+            <a:r>
+              <a:rPr lang="de-CH" dirty="0"/>
+              <a:t>Sehr wertvolle Rückmeldungen von Testpersonen</a:t>
+            </a:r>
+          </a:p>
+          <a:p>
+            <a:pPr marL="285750" indent="-285750">
+              <a:buFont typeface="Arial" panose="020B0604020202020204" pitchFamily="34" charset="0"/>
+              <a:buChar char="•"/>
+            </a:pPr>
+            <a:r>
+              <a:rPr lang="de-CH" dirty="0"/>
+              <a:t>Mangelhafte Aspekte des Prototypen führen den User dazu, den Fokus zu verlieren</a:t>
+            </a:r>
+          </a:p>
+          <a:p>
+            <a:pPr marL="285750" indent="-285750">
+              <a:buFont typeface="Arial" panose="020B0604020202020204" pitchFamily="34" charset="0"/>
+              <a:buChar char="•"/>
+            </a:pPr>
+            <a:r>
+              <a:rPr lang="de-CH" dirty="0"/>
+              <a:t>Durch Verlust des «frischen Blicks» übersahen wir Unklarheiten, welche erst während den Tests ersichtlich wurden</a:t>
+            </a:r>
+          </a:p>
+          <a:p>
+            <a:pPr marL="285750" indent="-285750">
+              <a:buFont typeface="Arial" panose="020B0604020202020204" pitchFamily="34" charset="0"/>
+              <a:buChar char="•"/>
+            </a:pPr>
+            <a:r>
+              <a:rPr lang="de-CH" dirty="0" err="1"/>
+              <a:t>Prototyping</a:t>
+            </a:r>
+            <a:r>
+              <a:rPr lang="de-CH" dirty="0"/>
+              <a:t> Tools genau anschauen. Beinahe alle Gratisversionen haben massive Einschränkungen (Bei uns konnten nur 300 Objekte verwendet werden)</a:t>
+            </a:r>
+          </a:p>
+          <a:p>
+            <a:pPr marL="285750" indent="-285750">
+              <a:buFont typeface="Arial" panose="020B0604020202020204" pitchFamily="34" charset="0"/>
+              <a:buChar char="•"/>
+            </a:pPr>
+            <a:r>
+              <a:rPr lang="de-CH" dirty="0"/>
+              <a:t>Arbeit im Zweierteam war sehr produktiv und hat gut funktioniert</a:t>
+            </a:r>
+            <a:endParaRPr lang="en-US" dirty="0"/>
+          </a:p>
+        </p:txBody>
+      </p:sp>
+    </p:spTree>
+    <p:extLst>
+      <p:ext uri="{BB962C8B-B14F-4D97-AF65-F5344CB8AC3E}">
+        <p14:creationId xmlns:p14="http://schemas.microsoft.com/office/powerpoint/2010/main" val="3356710578"/>
       </p:ext>
     </p:extLst>
   </p:cSld>
@@ -4818,14 +5634,19 @@
             <p:ph type="title"/>
           </p:nvPr>
         </p:nvSpPr>
-        <p:spPr/>
+        <p:spPr>
+          <a:xfrm>
+            <a:off x="838200" y="365125"/>
+            <a:ext cx="6121400" cy="1325563"/>
+          </a:xfrm>
+        </p:spPr>
         <p:txBody>
           <a:bodyPr/>
           <a:lstStyle/>
           <a:p>
             <a:r>
               <a:rPr lang="de-DE" b="1" dirty="0"/>
-              <a:t>Login</a:t>
+              <a:t>Login / Registrierung</a:t>
             </a:r>
           </a:p>
         </p:txBody>
@@ -4880,10 +5701,134 @@
           </a:p>
         </p:txBody>
       </p:sp>
+      <p:pic>
+        <p:nvPicPr>
+          <p:cNvPr id="3" name="Grafik 2">
+            <a:extLst>
+              <a:ext uri="{FF2B5EF4-FFF2-40B4-BE49-F238E27FC236}">
+                <a16:creationId xmlns:a16="http://schemas.microsoft.com/office/drawing/2014/main" id="{D6BC1CAA-0E64-4BB6-839C-4061C043BA9E}"/>
+              </a:ext>
+            </a:extLst>
+          </p:cNvPr>
+          <p:cNvPicPr>
+            <a:picLocks noChangeAspect="1"/>
+          </p:cNvPicPr>
+          <p:nvPr/>
+        </p:nvPicPr>
+        <p:blipFill>
+          <a:blip r:embed="rId2"/>
+          <a:stretch>
+            <a:fillRect/>
+          </a:stretch>
+        </p:blipFill>
+        <p:spPr>
+          <a:xfrm>
+            <a:off x="7747001" y="365125"/>
+            <a:ext cx="3164926" cy="5957764"/>
+          </a:xfrm>
+          <a:prstGeom prst="rect">
+            <a:avLst/>
+          </a:prstGeom>
+        </p:spPr>
+      </p:pic>
+      <p:sp>
+        <p:nvSpPr>
+          <p:cNvPr id="5" name="Textfeld 4">
+            <a:extLst>
+              <a:ext uri="{FF2B5EF4-FFF2-40B4-BE49-F238E27FC236}">
+                <a16:creationId xmlns:a16="http://schemas.microsoft.com/office/drawing/2014/main" id="{8BDEC1BF-AA66-4FF2-BFA3-F6BC91E502F3}"/>
+              </a:ext>
+            </a:extLst>
+          </p:cNvPr>
+          <p:cNvSpPr txBox="1"/>
+          <p:nvPr/>
+        </p:nvSpPr>
+        <p:spPr>
+          <a:xfrm>
+            <a:off x="831850" y="2076450"/>
+            <a:ext cx="6470650" cy="2031325"/>
+          </a:xfrm>
+          <a:prstGeom prst="rect">
+            <a:avLst/>
+          </a:prstGeom>
+          <a:noFill/>
+        </p:spPr>
+        <p:txBody>
+          <a:bodyPr wrap="square" rtlCol="0">
+            <a:spAutoFit/>
+          </a:bodyPr>
+          <a:lstStyle/>
+          <a:p>
+            <a:pPr marL="285750" indent="-285750">
+              <a:buFont typeface="Arial" panose="020B0604020202020204" pitchFamily="34" charset="0"/>
+              <a:buChar char="•"/>
+            </a:pPr>
+            <a:r>
+              <a:rPr lang="de-CH" dirty="0"/>
+              <a:t>Login stellt kein Problem dar</a:t>
+            </a:r>
+          </a:p>
+          <a:p>
+            <a:pPr marL="285750" indent="-285750">
+              <a:buFont typeface="Arial" panose="020B0604020202020204" pitchFamily="34" charset="0"/>
+              <a:buChar char="•"/>
+            </a:pPr>
+            <a:endParaRPr lang="de-CH" dirty="0"/>
+          </a:p>
+          <a:p>
+            <a:r>
+              <a:rPr lang="de-CH" dirty="0"/>
+              <a:t>Diskussion über Registrierung mit Testpersonen</a:t>
+            </a:r>
+          </a:p>
+          <a:p>
+            <a:endParaRPr lang="de-CH" dirty="0"/>
+          </a:p>
+          <a:p>
+            <a:pPr marL="285750" indent="-285750">
+              <a:buFont typeface="Arial" panose="020B0604020202020204" pitchFamily="34" charset="0"/>
+              <a:buChar char="•"/>
+            </a:pPr>
+            <a:r>
+              <a:rPr lang="de-CH" dirty="0"/>
+              <a:t>Registrierung erst nach Mail abschliessen </a:t>
+            </a:r>
+            <a:r>
+              <a:rPr lang="de-CH" dirty="0" err="1"/>
+              <a:t>i.O</a:t>
+            </a:r>
+            <a:r>
+              <a:rPr lang="de-CH" dirty="0"/>
+              <a:t>.</a:t>
+            </a:r>
+          </a:p>
+          <a:p>
+            <a:pPr marL="285750" indent="-285750">
+              <a:buFont typeface="Arial" panose="020B0604020202020204" pitchFamily="34" charset="0"/>
+              <a:buChar char="•"/>
+            </a:pPr>
+            <a:r>
+              <a:rPr lang="de-CH" dirty="0"/>
+              <a:t>Im Mail empfehlen, Registrierung im Web auszufüllen ist gut</a:t>
+            </a:r>
+          </a:p>
+          <a:p>
+            <a:pPr marL="285750" indent="-285750">
+              <a:buFont typeface="Arial" panose="020B0604020202020204" pitchFamily="34" charset="0"/>
+              <a:buChar char="•"/>
+            </a:pPr>
+            <a:r>
+              <a:rPr lang="de-CH" dirty="0"/>
+              <a:t>Komplette Registrierung muss im App angeboten werden</a:t>
+            </a:r>
+            <a:endParaRPr lang="en-US" dirty="0"/>
+          </a:p>
+        </p:txBody>
+      </p:sp>
     </p:spTree>
     <p:extLst>
       <p:ext uri="{BB962C8B-B14F-4D97-AF65-F5344CB8AC3E}">
-        <p14:creationId xmlns:p14="http://schemas.microsoft.com/office/powerpoint/2010/main" val="2534470129"/>
+        <p14:creationId xmlns:p14="http://schemas.microsoft.com/office/powerpoint/2010/main" val="175317803"/>
       </p:ext>
     </p:extLst>
   </p:cSld>
@@ -4920,19 +5865,14 @@
             <p:ph type="title"/>
           </p:nvPr>
         </p:nvSpPr>
-        <p:spPr>
-          <a:xfrm>
-            <a:off x="838200" y="365125"/>
-            <a:ext cx="6121400" cy="1325563"/>
-          </a:xfrm>
-        </p:spPr>
+        <p:spPr/>
         <p:txBody>
           <a:bodyPr/>
           <a:lstStyle/>
           <a:p>
             <a:r>
               <a:rPr lang="de-DE" b="1" dirty="0"/>
-              <a:t>Login / Registrierung</a:t>
+              <a:t>Funktionsübersicht</a:t>
             </a:r>
           </a:p>
         </p:txBody>
@@ -4989,10 +5929,10 @@
       </p:sp>
       <p:pic>
         <p:nvPicPr>
-          <p:cNvPr id="3" name="Grafik 2">
-            <a:extLst>
-              <a:ext uri="{FF2B5EF4-FFF2-40B4-BE49-F238E27FC236}">
-                <a16:creationId xmlns:a16="http://schemas.microsoft.com/office/drawing/2014/main" id="{D6BC1CAA-0E64-4BB6-839C-4061C043BA9E}"/>
+          <p:cNvPr id="5" name="Grafik 4">
+            <a:extLst>
+              <a:ext uri="{FF2B5EF4-FFF2-40B4-BE49-F238E27FC236}">
+                <a16:creationId xmlns:a16="http://schemas.microsoft.com/office/drawing/2014/main" id="{2D624C91-3177-4A59-9130-118D6045BC2A}"/>
               </a:ext>
             </a:extLst>
           </p:cNvPr>
@@ -5009,8 +5949,8 @@
         </p:blipFill>
         <p:spPr>
           <a:xfrm>
-            <a:off x="7747001" y="365125"/>
-            <a:ext cx="3164926" cy="5957764"/>
+            <a:off x="8481571" y="182562"/>
+            <a:ext cx="3464430" cy="6492875"/>
           </a:xfrm>
           <a:prstGeom prst="rect">
             <a:avLst/>
@@ -5019,10 +5959,10 @@
       </p:pic>
       <p:sp>
         <p:nvSpPr>
-          <p:cNvPr id="5" name="Textfeld 4">
-            <a:extLst>
-              <a:ext uri="{FF2B5EF4-FFF2-40B4-BE49-F238E27FC236}">
-                <a16:creationId xmlns:a16="http://schemas.microsoft.com/office/drawing/2014/main" id="{8BDEC1BF-AA66-4FF2-BFA3-F6BC91E502F3}"/>
+          <p:cNvPr id="6" name="Textfeld 5">
+            <a:extLst>
+              <a:ext uri="{FF2B5EF4-FFF2-40B4-BE49-F238E27FC236}">
+                <a16:creationId xmlns:a16="http://schemas.microsoft.com/office/drawing/2014/main" id="{14BEE586-DDE7-488A-BEA7-C75FB381130C}"/>
               </a:ext>
             </a:extLst>
           </p:cNvPr>
@@ -5031,8 +5971,8 @@
         </p:nvSpPr>
         <p:spPr>
           <a:xfrm>
-            <a:off x="831850" y="2076450"/>
-            <a:ext cx="6470650" cy="2031325"/>
+            <a:off x="882650" y="1847850"/>
+            <a:ext cx="7137400" cy="923330"/>
           </a:xfrm>
           <a:prstGeom prst="rect">
             <a:avLst/>
@@ -5051,70 +5991,82 @@
             </a:pPr>
             <a:r>
               <a:rPr lang="de-CH" dirty="0"/>
-              <a:t>Login stellt kein Problem dar</a:t>
-            </a:r>
+              <a:t>Wurde bei jeder Durchführung verstanden</a:t>
+            </a:r>
+            <a:br>
+              <a:rPr lang="en-US" dirty="0"/>
+            </a:br>
+            <a:endParaRPr lang="en-US" dirty="0"/>
           </a:p>
           <a:p>
             <a:pPr marL="285750" indent="-285750">
               <a:buFont typeface="Arial" panose="020B0604020202020204" pitchFamily="34" charset="0"/>
               <a:buChar char="•"/>
             </a:pPr>
+            <a:r>
+              <a:rPr lang="de-CH" dirty="0"/>
+              <a:t>S</a:t>
+            </a:r>
+            <a:r>
+              <a:rPr lang="en-US" dirty="0" err="1"/>
+              <a:t>chnellsuche</a:t>
+            </a:r>
+            <a:r>
+              <a:rPr lang="en-US" dirty="0"/>
+              <a:t> </a:t>
+            </a:r>
+            <a:r>
+              <a:rPr lang="en-US" dirty="0" err="1"/>
+              <a:t>ist</a:t>
+            </a:r>
+            <a:r>
+              <a:rPr lang="en-US" dirty="0"/>
+              <a:t> </a:t>
+            </a:r>
+            <a:r>
+              <a:rPr lang="en-US" dirty="0" err="1"/>
+              <a:t>laut</a:t>
+            </a:r>
+            <a:r>
+              <a:rPr lang="en-US" dirty="0"/>
+              <a:t> </a:t>
+            </a:r>
+            <a:r>
+              <a:rPr lang="en-US" dirty="0" err="1"/>
+              <a:t>Testpersonen</a:t>
+            </a:r>
+            <a:r>
+              <a:rPr lang="en-US" dirty="0"/>
+              <a:t> </a:t>
+            </a:r>
+            <a:r>
+              <a:rPr lang="en-US" dirty="0" err="1"/>
+              <a:t>eine</a:t>
+            </a:r>
+            <a:r>
+              <a:rPr lang="en-US" dirty="0"/>
+              <a:t> </a:t>
+            </a:r>
+            <a:r>
+              <a:rPr lang="en-US" dirty="0" err="1"/>
+              <a:t>gute</a:t>
+            </a:r>
+            <a:r>
+              <a:rPr lang="en-US" dirty="0"/>
+              <a:t> </a:t>
+            </a:r>
+            <a:r>
+              <a:rPr lang="en-US" dirty="0" err="1"/>
+              <a:t>Idee</a:t>
+            </a:r>
             <a:endParaRPr lang="de-CH" dirty="0"/>
-          </a:p>
-          <a:p>
-            <a:r>
-              <a:rPr lang="de-CH" dirty="0"/>
-              <a:t>Diskussion über Registrierung mit Testpersonen</a:t>
-            </a:r>
-          </a:p>
-          <a:p>
-            <a:endParaRPr lang="de-CH" dirty="0"/>
-          </a:p>
-          <a:p>
-            <a:pPr marL="285750" indent="-285750">
-              <a:buFont typeface="Arial" panose="020B0604020202020204" pitchFamily="34" charset="0"/>
-              <a:buChar char="•"/>
-            </a:pPr>
-            <a:r>
-              <a:rPr lang="de-CH" dirty="0"/>
-              <a:t>Registrierung erst nach Mail abschliessen </a:t>
-            </a:r>
-            <a:r>
-              <a:rPr lang="de-CH" dirty="0" err="1"/>
-              <a:t>i.O</a:t>
-            </a:r>
-            <a:r>
-              <a:rPr lang="de-CH" dirty="0"/>
-              <a:t>.</a:t>
-            </a:r>
-          </a:p>
-          <a:p>
-            <a:pPr marL="285750" indent="-285750">
-              <a:buFont typeface="Arial" panose="020B0604020202020204" pitchFamily="34" charset="0"/>
-              <a:buChar char="•"/>
-            </a:pPr>
-            <a:r>
-              <a:rPr lang="de-CH" dirty="0"/>
-              <a:t>Im Mail empfehlen, Registrierung im Web auszufüllen ist gut</a:t>
-            </a:r>
-          </a:p>
-          <a:p>
-            <a:pPr marL="285750" indent="-285750">
-              <a:buFont typeface="Arial" panose="020B0604020202020204" pitchFamily="34" charset="0"/>
-              <a:buChar char="•"/>
-            </a:pPr>
-            <a:r>
-              <a:rPr lang="de-CH" dirty="0"/>
-              <a:t>Komplette Registrierung muss im App angeboten werden</a:t>
-            </a:r>
-            <a:endParaRPr lang="en-US" dirty="0"/>
           </a:p>
         </p:txBody>
       </p:sp>
     </p:spTree>
     <p:extLst>
       <p:ext uri="{BB962C8B-B14F-4D97-AF65-F5344CB8AC3E}">
-        <p14:creationId xmlns:p14="http://schemas.microsoft.com/office/powerpoint/2010/main" val="175317803"/>
+        <p14:creationId xmlns:p14="http://schemas.microsoft.com/office/powerpoint/2010/main" val="3828437047"/>
       </p:ext>
     </p:extLst>
   </p:cSld>
@@ -5158,7 +6110,7 @@
           <a:p>
             <a:r>
               <a:rPr lang="de-DE" b="1" dirty="0"/>
-              <a:t>Funktionsübersicht</a:t>
+              <a:t>Suche</a:t>
             </a:r>
           </a:p>
         </p:txBody>
@@ -5215,10 +6167,10 @@
       </p:sp>
       <p:pic>
         <p:nvPicPr>
-          <p:cNvPr id="5" name="Grafik 4">
-            <a:extLst>
-              <a:ext uri="{FF2B5EF4-FFF2-40B4-BE49-F238E27FC236}">
-                <a16:creationId xmlns:a16="http://schemas.microsoft.com/office/drawing/2014/main" id="{2D624C91-3177-4A59-9130-118D6045BC2A}"/>
+          <p:cNvPr id="3" name="Grafik 2">
+            <a:extLst>
+              <a:ext uri="{FF2B5EF4-FFF2-40B4-BE49-F238E27FC236}">
+                <a16:creationId xmlns:a16="http://schemas.microsoft.com/office/drawing/2014/main" id="{E5A24854-7009-4BC3-A6A4-83417F98980A}"/>
               </a:ext>
             </a:extLst>
           </p:cNvPr>
@@ -5235,8 +6187,8 @@
         </p:blipFill>
         <p:spPr>
           <a:xfrm>
-            <a:off x="8481571" y="182562"/>
-            <a:ext cx="3464430" cy="6492875"/>
+            <a:off x="8924551" y="425450"/>
+            <a:ext cx="3046737" cy="5727700"/>
           </a:xfrm>
           <a:prstGeom prst="rect">
             <a:avLst/>
@@ -5245,10 +6197,10 @@
       </p:pic>
       <p:sp>
         <p:nvSpPr>
-          <p:cNvPr id="6" name="Textfeld 5">
-            <a:extLst>
-              <a:ext uri="{FF2B5EF4-FFF2-40B4-BE49-F238E27FC236}">
-                <a16:creationId xmlns:a16="http://schemas.microsoft.com/office/drawing/2014/main" id="{14BEE586-DDE7-488A-BEA7-C75FB381130C}"/>
+          <p:cNvPr id="5" name="Textfeld 4">
+            <a:extLst>
+              <a:ext uri="{FF2B5EF4-FFF2-40B4-BE49-F238E27FC236}">
+                <a16:creationId xmlns:a16="http://schemas.microsoft.com/office/drawing/2014/main" id="{91766DCB-E06F-490A-84E7-45906890572A}"/>
               </a:ext>
             </a:extLst>
           </p:cNvPr>
@@ -5257,8 +6209,8 @@
         </p:nvSpPr>
         <p:spPr>
           <a:xfrm>
-            <a:off x="882650" y="1847850"/>
-            <a:ext cx="7137400" cy="923330"/>
+            <a:off x="787400" y="1785144"/>
+            <a:ext cx="7137400" cy="646331"/>
           </a:xfrm>
           <a:prstGeom prst="rect">
             <a:avLst/>
@@ -5277,82 +6229,18 @@
             </a:pPr>
             <a:r>
               <a:rPr lang="de-CH" dirty="0"/>
-              <a:t>Wurde bei jeder Durchführung verstanden</a:t>
-            </a:r>
-            <a:br>
-              <a:rPr lang="en-US" dirty="0"/>
-            </a:br>
+              <a:t>Standarttext im Datuminputfeld muss schwarz sein </a:t>
+            </a:r>
+          </a:p>
+          <a:p>
             <a:endParaRPr lang="en-US" dirty="0"/>
-          </a:p>
-          <a:p>
-            <a:pPr marL="285750" indent="-285750">
-              <a:buFont typeface="Arial" panose="020B0604020202020204" pitchFamily="34" charset="0"/>
-              <a:buChar char="•"/>
-            </a:pPr>
-            <a:r>
-              <a:rPr lang="de-CH" dirty="0"/>
-              <a:t>S</a:t>
-            </a:r>
-            <a:r>
-              <a:rPr lang="en-US" dirty="0" err="1"/>
-              <a:t>chnellsuche</a:t>
-            </a:r>
-            <a:r>
-              <a:rPr lang="en-US" dirty="0"/>
-              <a:t> </a:t>
-            </a:r>
-            <a:r>
-              <a:rPr lang="en-US" dirty="0" err="1"/>
-              <a:t>ist</a:t>
-            </a:r>
-            <a:r>
-              <a:rPr lang="en-US" dirty="0"/>
-              <a:t> </a:t>
-            </a:r>
-            <a:r>
-              <a:rPr lang="en-US" dirty="0" err="1"/>
-              <a:t>laut</a:t>
-            </a:r>
-            <a:r>
-              <a:rPr lang="en-US" dirty="0"/>
-              <a:t> </a:t>
-            </a:r>
-            <a:r>
-              <a:rPr lang="en-US" dirty="0" err="1"/>
-              <a:t>Testpersonen</a:t>
-            </a:r>
-            <a:r>
-              <a:rPr lang="en-US" dirty="0"/>
-              <a:t> </a:t>
-            </a:r>
-            <a:r>
-              <a:rPr lang="en-US" dirty="0" err="1"/>
-              <a:t>eine</a:t>
-            </a:r>
-            <a:r>
-              <a:rPr lang="en-US" dirty="0"/>
-              <a:t> </a:t>
-            </a:r>
-            <a:r>
-              <a:rPr lang="en-US" dirty="0" err="1"/>
-              <a:t>gute</a:t>
-            </a:r>
-            <a:r>
-              <a:rPr lang="en-US" dirty="0"/>
-              <a:t> </a:t>
-            </a:r>
-            <a:r>
-              <a:rPr lang="en-US" dirty="0" err="1"/>
-              <a:t>Idee</a:t>
-            </a:r>
-            <a:endParaRPr lang="de-CH" dirty="0"/>
           </a:p>
         </p:txBody>
       </p:sp>
     </p:spTree>
     <p:extLst>
       <p:ext uri="{BB962C8B-B14F-4D97-AF65-F5344CB8AC3E}">
-        <p14:creationId xmlns:p14="http://schemas.microsoft.com/office/powerpoint/2010/main" val="3828437047"/>
+        <p14:creationId xmlns:p14="http://schemas.microsoft.com/office/powerpoint/2010/main" val="2942119959"/>
       </p:ext>
     </p:extLst>
   </p:cSld>
@@ -5396,7 +6284,7 @@
           <a:p>
             <a:r>
               <a:rPr lang="de-DE" b="1" dirty="0"/>
-              <a:t>Suche</a:t>
+              <a:t>Liste bei Suche</a:t>
             </a:r>
           </a:p>
         </p:txBody>
@@ -5456,7 +6344,7 @@
           <p:cNvPr id="3" name="Grafik 2">
             <a:extLst>
               <a:ext uri="{FF2B5EF4-FFF2-40B4-BE49-F238E27FC236}">
-                <a16:creationId xmlns:a16="http://schemas.microsoft.com/office/drawing/2014/main" id="{E5A24854-7009-4BC3-A6A4-83417F98980A}"/>
+                <a16:creationId xmlns:a16="http://schemas.microsoft.com/office/drawing/2014/main" id="{6BFEB8CC-4D22-431C-A449-5AA6AE2E7875}"/>
               </a:ext>
             </a:extLst>
           </p:cNvPr>
@@ -5473,180 +6361,6 @@
         </p:blipFill>
         <p:spPr>
           <a:xfrm>
-            <a:off x="8924551" y="425450"/>
-            <a:ext cx="3046737" cy="5727700"/>
-          </a:xfrm>
-          <a:prstGeom prst="rect">
-            <a:avLst/>
-          </a:prstGeom>
-        </p:spPr>
-      </p:pic>
-      <p:sp>
-        <p:nvSpPr>
-          <p:cNvPr id="5" name="Textfeld 4">
-            <a:extLst>
-              <a:ext uri="{FF2B5EF4-FFF2-40B4-BE49-F238E27FC236}">
-                <a16:creationId xmlns:a16="http://schemas.microsoft.com/office/drawing/2014/main" id="{91766DCB-E06F-490A-84E7-45906890572A}"/>
-              </a:ext>
-            </a:extLst>
-          </p:cNvPr>
-          <p:cNvSpPr txBox="1"/>
-          <p:nvPr/>
-        </p:nvSpPr>
-        <p:spPr>
-          <a:xfrm>
-            <a:off x="787400" y="1785144"/>
-            <a:ext cx="7137400" cy="646331"/>
-          </a:xfrm>
-          <a:prstGeom prst="rect">
-            <a:avLst/>
-          </a:prstGeom>
-          <a:noFill/>
-        </p:spPr>
-        <p:txBody>
-          <a:bodyPr wrap="square" rtlCol="0">
-            <a:spAutoFit/>
-          </a:bodyPr>
-          <a:lstStyle/>
-          <a:p>
-            <a:pPr marL="285750" indent="-285750">
-              <a:buFont typeface="Arial" panose="020B0604020202020204" pitchFamily="34" charset="0"/>
-              <a:buChar char="•"/>
-            </a:pPr>
-            <a:r>
-              <a:rPr lang="de-CH" dirty="0"/>
-              <a:t>Standarttext im Datuminputfeld muss schwarz sein </a:t>
-            </a:r>
-          </a:p>
-          <a:p>
-            <a:endParaRPr lang="en-US" dirty="0"/>
-          </a:p>
-        </p:txBody>
-      </p:sp>
-    </p:spTree>
-    <p:extLst>
-      <p:ext uri="{BB962C8B-B14F-4D97-AF65-F5344CB8AC3E}">
-        <p14:creationId xmlns:p14="http://schemas.microsoft.com/office/powerpoint/2010/main" val="2942119959"/>
-      </p:ext>
-    </p:extLst>
-  </p:cSld>
-  <p:clrMapOvr>
-    <a:masterClrMapping/>
-  </p:clrMapOvr>
-</p:sld>
-</file>
-
-<file path=ppt/slides/slide7.xml><?xml version="1.0" encoding="utf-8"?>
-<p:sld xmlns:a="http://schemas.openxmlformats.org/drawingml/2006/main" xmlns:r="http://schemas.openxmlformats.org/officeDocument/2006/relationships" xmlns:p="http://schemas.openxmlformats.org/presentationml/2006/main">
-  <p:cSld>
-    <p:spTree>
-      <p:nvGrpSpPr>
-        <p:cNvPr id="1" name=""/>
-        <p:cNvGrpSpPr/>
-        <p:nvPr/>
-      </p:nvGrpSpPr>
-      <p:grpSpPr>
-        <a:xfrm>
-          <a:off x="0" y="0"/>
-          <a:ext cx="0" cy="0"/>
-          <a:chOff x="0" y="0"/>
-          <a:chExt cx="0" cy="0"/>
-        </a:xfrm>
-      </p:grpSpPr>
-      <p:sp>
-        <p:nvSpPr>
-          <p:cNvPr id="2" name="Title 1"/>
-          <p:cNvSpPr>
-            <a:spLocks noGrp="1"/>
-          </p:cNvSpPr>
-          <p:nvPr>
-            <p:ph type="title"/>
-          </p:nvPr>
-        </p:nvSpPr>
-        <p:spPr/>
-        <p:txBody>
-          <a:bodyPr/>
-          <a:lstStyle/>
-          <a:p>
-            <a:r>
-              <a:rPr lang="de-DE" b="1" dirty="0"/>
-              <a:t>Liste bei Suche</a:t>
-            </a:r>
-          </a:p>
-        </p:txBody>
-      </p:sp>
-      <p:sp>
-        <p:nvSpPr>
-          <p:cNvPr id="4" name="Rectangle 3"/>
-          <p:cNvSpPr/>
-          <p:nvPr/>
-        </p:nvSpPr>
-        <p:spPr>
-          <a:xfrm>
-            <a:off x="0" y="6652260"/>
-            <a:ext cx="12192000" cy="296228"/>
-          </a:xfrm>
-          <a:prstGeom prst="rect">
-            <a:avLst/>
-          </a:prstGeom>
-          <a:solidFill>
-            <a:srgbClr val="008EB3"/>
-          </a:solidFill>
-          <a:ln>
-            <a:noFill/>
-          </a:ln>
-        </p:spPr>
-        <p:style>
-          <a:lnRef idx="2">
-            <a:schemeClr val="accent1">
-              <a:shade val="50000"/>
-            </a:schemeClr>
-          </a:lnRef>
-          <a:fillRef idx="1">
-            <a:schemeClr val="accent1"/>
-          </a:fillRef>
-          <a:effectRef idx="0">
-            <a:schemeClr val="accent1"/>
-          </a:effectRef>
-          <a:fontRef idx="minor">
-            <a:schemeClr val="lt1"/>
-          </a:fontRef>
-        </p:style>
-        <p:txBody>
-          <a:bodyPr rtlCol="0" anchor="ctr"/>
-          <a:lstStyle/>
-          <a:p>
-            <a:pPr algn="ctr"/>
-            <a:endParaRPr lang="de-DE">
-              <a:solidFill>
-                <a:schemeClr val="bg1"/>
-              </a:solidFill>
-            </a:endParaRPr>
-          </a:p>
-        </p:txBody>
-      </p:sp>
-      <p:pic>
-        <p:nvPicPr>
-          <p:cNvPr id="3" name="Grafik 2">
-            <a:extLst>
-              <a:ext uri="{FF2B5EF4-FFF2-40B4-BE49-F238E27FC236}">
-                <a16:creationId xmlns:a16="http://schemas.microsoft.com/office/drawing/2014/main" id="{6BFEB8CC-4D22-431C-A449-5AA6AE2E7875}"/>
-              </a:ext>
-            </a:extLst>
-          </p:cNvPr>
-          <p:cNvPicPr>
-            <a:picLocks noChangeAspect="1"/>
-          </p:cNvPicPr>
-          <p:nvPr/>
-        </p:nvPicPr>
-        <p:blipFill>
-          <a:blip r:embed="rId2"/>
-          <a:stretch>
-            <a:fillRect/>
-          </a:stretch>
-        </p:blipFill>
-        <p:spPr>
-          <a:xfrm>
             <a:off x="9018948" y="501650"/>
             <a:ext cx="3086146" cy="5740400"/>
           </a:xfrm>
@@ -5781,8 +6495,8 @@
           </a:prstGeom>
         </p:spPr>
       </p:pic>
-      <mc:AlternateContent xmlns:mc="http://schemas.openxmlformats.org/markup-compatibility/2006">
-        <mc:Choice xmlns:p14="http://schemas.microsoft.com/office/powerpoint/2010/main" Requires="p14">
+      <mc:AlternateContent xmlns:mc="http://schemas.openxmlformats.org/markup-compatibility/2006" xmlns:p14="http://schemas.microsoft.com/office/powerpoint/2010/main">
+        <mc:Choice Requires="p14">
           <p:contentPart p14:bwMode="auto" r:id="rId4">
             <p14:nvContentPartPr>
               <p14:cNvPr id="20" name="Freihand 19">
@@ -5801,7 +6515,7 @@
             </p14:xfrm>
           </p:contentPart>
         </mc:Choice>
-        <mc:Fallback>
+        <mc:Fallback xmlns="">
           <p:pic>
             <p:nvPicPr>
               <p:cNvPr id="20" name="Freihand 19">
@@ -5895,6 +6609,227 @@
 </p:sld>
 </file>
 
+<file path=ppt/slides/slide7.xml><?xml version="1.0" encoding="utf-8"?>
+<p:sld xmlns:a="http://schemas.openxmlformats.org/drawingml/2006/main" xmlns:r="http://schemas.openxmlformats.org/officeDocument/2006/relationships" xmlns:p="http://schemas.openxmlformats.org/presentationml/2006/main">
+  <p:cSld>
+    <p:spTree>
+      <p:nvGrpSpPr>
+        <p:cNvPr id="1" name=""/>
+        <p:cNvGrpSpPr/>
+        <p:nvPr/>
+      </p:nvGrpSpPr>
+      <p:grpSpPr>
+        <a:xfrm>
+          <a:off x="0" y="0"/>
+          <a:ext cx="0" cy="0"/>
+          <a:chOff x="0" y="0"/>
+          <a:chExt cx="0" cy="0"/>
+        </a:xfrm>
+      </p:grpSpPr>
+      <p:sp>
+        <p:nvSpPr>
+          <p:cNvPr id="2" name="Title 1"/>
+          <p:cNvSpPr>
+            <a:spLocks noGrp="1"/>
+          </p:cNvSpPr>
+          <p:nvPr>
+            <p:ph type="title"/>
+          </p:nvPr>
+        </p:nvSpPr>
+        <p:spPr/>
+        <p:txBody>
+          <a:bodyPr/>
+          <a:lstStyle/>
+          <a:p>
+            <a:r>
+              <a:rPr lang="de-DE" b="1" dirty="0"/>
+              <a:t>Interaktion Karte</a:t>
+            </a:r>
+          </a:p>
+        </p:txBody>
+      </p:sp>
+      <p:sp>
+        <p:nvSpPr>
+          <p:cNvPr id="4" name="Rectangle 3"/>
+          <p:cNvSpPr/>
+          <p:nvPr/>
+        </p:nvSpPr>
+        <p:spPr>
+          <a:xfrm>
+            <a:off x="0" y="6652260"/>
+            <a:ext cx="12192000" cy="296228"/>
+          </a:xfrm>
+          <a:prstGeom prst="rect">
+            <a:avLst/>
+          </a:prstGeom>
+          <a:solidFill>
+            <a:srgbClr val="008EB3"/>
+          </a:solidFill>
+          <a:ln>
+            <a:noFill/>
+          </a:ln>
+        </p:spPr>
+        <p:style>
+          <a:lnRef idx="2">
+            <a:schemeClr val="accent1">
+              <a:shade val="50000"/>
+            </a:schemeClr>
+          </a:lnRef>
+          <a:fillRef idx="1">
+            <a:schemeClr val="accent1"/>
+          </a:fillRef>
+          <a:effectRef idx="0">
+            <a:schemeClr val="accent1"/>
+          </a:effectRef>
+          <a:fontRef idx="minor">
+            <a:schemeClr val="lt1"/>
+          </a:fontRef>
+        </p:style>
+        <p:txBody>
+          <a:bodyPr rtlCol="0" anchor="ctr"/>
+          <a:lstStyle/>
+          <a:p>
+            <a:pPr algn="ctr"/>
+            <a:endParaRPr lang="de-DE">
+              <a:solidFill>
+                <a:schemeClr val="bg1"/>
+              </a:solidFill>
+            </a:endParaRPr>
+          </a:p>
+        </p:txBody>
+      </p:sp>
+      <p:pic>
+        <p:nvPicPr>
+          <p:cNvPr id="5" name="Grafik 4">
+            <a:extLst>
+              <a:ext uri="{FF2B5EF4-FFF2-40B4-BE49-F238E27FC236}">
+                <a16:creationId xmlns:a16="http://schemas.microsoft.com/office/drawing/2014/main" id="{101F5C06-560C-44B1-960D-DD37410E1ECE}"/>
+              </a:ext>
+            </a:extLst>
+          </p:cNvPr>
+          <p:cNvPicPr>
+            <a:picLocks noChangeAspect="1"/>
+          </p:cNvPicPr>
+          <p:nvPr/>
+        </p:nvPicPr>
+        <p:blipFill>
+          <a:blip r:embed="rId2"/>
+          <a:stretch>
+            <a:fillRect/>
+          </a:stretch>
+        </p:blipFill>
+        <p:spPr>
+          <a:xfrm>
+            <a:off x="8968945" y="431800"/>
+            <a:ext cx="3015234" cy="5727700"/>
+          </a:xfrm>
+          <a:prstGeom prst="rect">
+            <a:avLst/>
+          </a:prstGeom>
+        </p:spPr>
+      </p:pic>
+      <p:sp>
+        <p:nvSpPr>
+          <p:cNvPr id="6" name="Textfeld 5">
+            <a:extLst>
+              <a:ext uri="{FF2B5EF4-FFF2-40B4-BE49-F238E27FC236}">
+                <a16:creationId xmlns:a16="http://schemas.microsoft.com/office/drawing/2014/main" id="{8A2453E2-5AC0-4D5F-911A-D80E136540C6}"/>
+              </a:ext>
+            </a:extLst>
+          </p:cNvPr>
+          <p:cNvSpPr txBox="1"/>
+          <p:nvPr/>
+        </p:nvSpPr>
+        <p:spPr>
+          <a:xfrm>
+            <a:off x="882650" y="1847850"/>
+            <a:ext cx="7137400" cy="2585323"/>
+          </a:xfrm>
+          <a:prstGeom prst="rect">
+            <a:avLst/>
+          </a:prstGeom>
+          <a:noFill/>
+        </p:spPr>
+        <p:txBody>
+          <a:bodyPr wrap="square" rtlCol="0">
+            <a:spAutoFit/>
+          </a:bodyPr>
+          <a:lstStyle/>
+          <a:p>
+            <a:pPr marL="285750" indent="-285750">
+              <a:buFont typeface="Arial" panose="020B0604020202020204" pitchFamily="34" charset="0"/>
+              <a:buChar char="•"/>
+            </a:pPr>
+            <a:r>
+              <a:rPr lang="de-CH" dirty="0"/>
+              <a:t>«zurück» Button muss zur Listenansicht führen, nicht zur Funktionsübersicht</a:t>
+            </a:r>
+          </a:p>
+          <a:p>
+            <a:pPr marL="285750" indent="-285750">
+              <a:buFont typeface="Arial" panose="020B0604020202020204" pitchFamily="34" charset="0"/>
+              <a:buChar char="•"/>
+            </a:pPr>
+            <a:endParaRPr lang="de-CH" dirty="0"/>
+          </a:p>
+          <a:p>
+            <a:pPr marL="285750" indent="-285750">
+              <a:buFont typeface="Arial" panose="020B0604020202020204" pitchFamily="34" charset="0"/>
+              <a:buChar char="•"/>
+            </a:pPr>
+            <a:r>
+              <a:rPr lang="de-CH" dirty="0"/>
+              <a:t>«Liste Anzeigen» wird potentiell überflüssig</a:t>
+            </a:r>
+          </a:p>
+          <a:p>
+            <a:pPr marL="742950" lvl="1" indent="-285750">
+              <a:buFont typeface="Arial" panose="020B0604020202020204" pitchFamily="34" charset="0"/>
+              <a:buChar char="•"/>
+            </a:pPr>
+            <a:r>
+              <a:rPr lang="de-CH" dirty="0"/>
+              <a:t>Nächste Iteration überprüfen, ob User den Weg zurück zur Liste mithilfe des «zurück» Buttons konsistent finden</a:t>
+            </a:r>
+          </a:p>
+          <a:p>
+            <a:endParaRPr lang="de-CH" dirty="0"/>
+          </a:p>
+          <a:p>
+            <a:pPr marL="285750" indent="-285750">
+              <a:buFont typeface="Arial" panose="020B0604020202020204" pitchFamily="34" charset="0"/>
+              <a:buChar char="•"/>
+            </a:pPr>
+            <a:r>
+              <a:rPr lang="de-CH" dirty="0"/>
+              <a:t>Markierer auf Karte wurde von allen Testpersonen als Autos erkannt</a:t>
+            </a:r>
+          </a:p>
+          <a:p>
+            <a:pPr marL="285750" indent="-285750">
+              <a:buFont typeface="Arial" panose="020B0604020202020204" pitchFamily="34" charset="0"/>
+              <a:buChar char="•"/>
+            </a:pPr>
+            <a:r>
+              <a:rPr lang="de-CH" dirty="0"/>
+              <a:t>Mit den Markern wurde korrekt interagiert</a:t>
+            </a:r>
+          </a:p>
+        </p:txBody>
+      </p:sp>
+    </p:spTree>
+    <p:extLst>
+      <p:ext uri="{BB962C8B-B14F-4D97-AF65-F5344CB8AC3E}">
+        <p14:creationId xmlns:p14="http://schemas.microsoft.com/office/powerpoint/2010/main" val="2849582392"/>
+      </p:ext>
+    </p:extLst>
+  </p:cSld>
+  <p:clrMapOvr>
+    <a:masterClrMapping/>
+  </p:clrMapOvr>
+</p:sld>
+</file>
+
 <file path=ppt/slides/slide8.xml><?xml version="1.0" encoding="utf-8"?>
 <p:sld xmlns:a="http://schemas.openxmlformats.org/drawingml/2006/main" xmlns:r="http://schemas.openxmlformats.org/officeDocument/2006/relationships" xmlns:p="http://schemas.openxmlformats.org/presentationml/2006/main">
   <p:cSld>
@@ -5922,14 +6857,19 @@
             <p:ph type="title"/>
           </p:nvPr>
         </p:nvSpPr>
-        <p:spPr/>
+        <p:spPr>
+          <a:xfrm>
+            <a:off x="838201" y="365125"/>
+            <a:ext cx="7531100" cy="1325563"/>
+          </a:xfrm>
+        </p:spPr>
         <p:txBody>
           <a:bodyPr/>
           <a:lstStyle/>
           <a:p>
             <a:r>
               <a:rPr lang="de-DE" b="1" dirty="0"/>
-              <a:t>Interaktion Karte</a:t>
+              <a:t>Detailansicht</a:t>
             </a:r>
           </a:p>
         </p:txBody>
@@ -5986,10 +6926,10 @@
       </p:sp>
       <p:pic>
         <p:nvPicPr>
-          <p:cNvPr id="5" name="Grafik 4">
-            <a:extLst>
-              <a:ext uri="{FF2B5EF4-FFF2-40B4-BE49-F238E27FC236}">
-                <a16:creationId xmlns:a16="http://schemas.microsoft.com/office/drawing/2014/main" id="{101F5C06-560C-44B1-960D-DD37410E1ECE}"/>
+          <p:cNvPr id="3" name="Grafik 2">
+            <a:extLst>
+              <a:ext uri="{FF2B5EF4-FFF2-40B4-BE49-F238E27FC236}">
+                <a16:creationId xmlns:a16="http://schemas.microsoft.com/office/drawing/2014/main" id="{3FBA0963-2B3C-47D3-A3E0-B5E9FAA82F0D}"/>
               </a:ext>
             </a:extLst>
           </p:cNvPr>
@@ -6006,8 +6946,8 @@
         </p:blipFill>
         <p:spPr>
           <a:xfrm>
-            <a:off x="8968945" y="431800"/>
-            <a:ext cx="3015234" cy="5727700"/>
+            <a:off x="8572773" y="66674"/>
+            <a:ext cx="3457801" cy="6492875"/>
           </a:xfrm>
           <a:prstGeom prst="rect">
             <a:avLst/>
@@ -6016,10 +6956,10 @@
       </p:pic>
       <p:sp>
         <p:nvSpPr>
-          <p:cNvPr id="6" name="Textfeld 5">
-            <a:extLst>
-              <a:ext uri="{FF2B5EF4-FFF2-40B4-BE49-F238E27FC236}">
-                <a16:creationId xmlns:a16="http://schemas.microsoft.com/office/drawing/2014/main" id="{8A2453E2-5AC0-4D5F-911A-D80E136540C6}"/>
+          <p:cNvPr id="5" name="Textfeld 4">
+            <a:extLst>
+              <a:ext uri="{FF2B5EF4-FFF2-40B4-BE49-F238E27FC236}">
+                <a16:creationId xmlns:a16="http://schemas.microsoft.com/office/drawing/2014/main" id="{C0485203-B913-459B-919E-CE1E566C886D}"/>
               </a:ext>
             </a:extLst>
           </p:cNvPr>
@@ -6029,7 +6969,7 @@
         <p:spPr>
           <a:xfrm>
             <a:off x="882650" y="1847850"/>
-            <a:ext cx="7137400" cy="2585323"/>
+            <a:ext cx="7137400" cy="646331"/>
           </a:xfrm>
           <a:prstGeom prst="rect">
             <a:avLst/>
@@ -6048,7 +6988,7 @@
             </a:pPr>
             <a:r>
               <a:rPr lang="de-CH" dirty="0"/>
-              <a:t>«zurück» Button muss zur Listenansicht führen, nicht zur Funktionsübersicht</a:t>
+              <a:t>«Jetzt Buchen» Button wurde schnell gefunden</a:t>
             </a:r>
           </a:p>
           <a:p>
@@ -6056,62 +6996,18 @@
               <a:buFont typeface="Arial" panose="020B0604020202020204" pitchFamily="34" charset="0"/>
               <a:buChar char="•"/>
             </a:pPr>
-            <a:endParaRPr lang="de-CH" dirty="0"/>
-          </a:p>
-          <a:p>
-            <a:pPr marL="285750" indent="-285750">
-              <a:buFont typeface="Arial" panose="020B0604020202020204" pitchFamily="34" charset="0"/>
-              <a:buChar char="•"/>
-            </a:pPr>
             <a:r>
               <a:rPr lang="de-CH" dirty="0"/>
-              <a:t>«Liste Anzeigen» wird potentiell überflüssig</a:t>
-            </a:r>
-          </a:p>
-          <a:p>
-            <a:pPr marL="742950" lvl="1" indent="-285750">
-              <a:buFont typeface="Arial" panose="020B0604020202020204" pitchFamily="34" charset="0"/>
-              <a:buChar char="•"/>
-            </a:pPr>
-            <a:r>
-              <a:rPr lang="de-CH" dirty="0"/>
-              <a:t>Nächste Iteration überprüfen, ob User den Weg zurück zur Liste mithilfe des «zurück» Buttons konsistent finden</a:t>
-            </a:r>
-          </a:p>
-          <a:p>
-            <a:endParaRPr lang="de-CH" dirty="0"/>
-          </a:p>
-          <a:p>
-            <a:pPr marL="285750" indent="-285750">
-              <a:buFont typeface="Arial" panose="020B0604020202020204" pitchFamily="34" charset="0"/>
-              <a:buChar char="•"/>
-            </a:pPr>
-            <a:r>
-              <a:rPr lang="de-CH" dirty="0"/>
-              <a:t>Markierer auf Karte wurde von allen Testpersonen als Autos erkannt</a:t>
-            </a:r>
-          </a:p>
-          <a:p>
-            <a:pPr marL="285750" indent="-285750">
-              <a:buFont typeface="Arial" panose="020B0604020202020204" pitchFamily="34" charset="0"/>
-              <a:buChar char="•"/>
-            </a:pPr>
-            <a:r>
-              <a:rPr lang="de-CH" dirty="0"/>
-              <a:t>Mit den Markern wurde korrekt </a:t>
-            </a:r>
-            <a:r>
-              <a:rPr lang="de-CH" dirty="0" err="1"/>
-              <a:t>interragiert</a:t>
-            </a:r>
-            <a:endParaRPr lang="de-CH" dirty="0"/>
+              <a:t>Preis fehlt</a:t>
+            </a:r>
+            <a:endParaRPr lang="en-US" dirty="0"/>
           </a:p>
         </p:txBody>
       </p:sp>
     </p:spTree>
     <p:extLst>
       <p:ext uri="{BB962C8B-B14F-4D97-AF65-F5344CB8AC3E}">
-        <p14:creationId xmlns:p14="http://schemas.microsoft.com/office/powerpoint/2010/main" val="2849582392"/>
+        <p14:creationId xmlns:p14="http://schemas.microsoft.com/office/powerpoint/2010/main" val="2560245437"/>
       </p:ext>
     </p:extLst>
   </p:cSld>
@@ -6148,19 +7044,14 @@
             <p:ph type="title"/>
           </p:nvPr>
         </p:nvSpPr>
-        <p:spPr>
-          <a:xfrm>
-            <a:off x="838201" y="365125"/>
-            <a:ext cx="7531100" cy="1325563"/>
-          </a:xfrm>
-        </p:spPr>
+        <p:spPr/>
         <p:txBody>
           <a:bodyPr/>
           <a:lstStyle/>
           <a:p>
             <a:r>
               <a:rPr lang="de-DE" b="1" dirty="0"/>
-              <a:t>Detailansicht</a:t>
+              <a:t>Datum Auswählen</a:t>
             </a:r>
           </a:p>
         </p:txBody>
@@ -6217,10 +7108,10 @@
       </p:sp>
       <p:pic>
         <p:nvPicPr>
-          <p:cNvPr id="3" name="Grafik 2">
-            <a:extLst>
-              <a:ext uri="{FF2B5EF4-FFF2-40B4-BE49-F238E27FC236}">
-                <a16:creationId xmlns:a16="http://schemas.microsoft.com/office/drawing/2014/main" id="{3FBA0963-2B3C-47D3-A3E0-B5E9FAA82F0D}"/>
+          <p:cNvPr id="6" name="Grafik 5">
+            <a:extLst>
+              <a:ext uri="{FF2B5EF4-FFF2-40B4-BE49-F238E27FC236}">
+                <a16:creationId xmlns:a16="http://schemas.microsoft.com/office/drawing/2014/main" id="{CE0D29B6-335C-4231-A4D4-3686897C4880}"/>
               </a:ext>
             </a:extLst>
           </p:cNvPr>
@@ -6237,20 +7128,80 @@
         </p:blipFill>
         <p:spPr>
           <a:xfrm>
-            <a:off x="8572773" y="66674"/>
-            <a:ext cx="3457801" cy="6492875"/>
+            <a:off x="8722926" y="425450"/>
+            <a:ext cx="3122790" cy="5765799"/>
           </a:xfrm>
           <a:prstGeom prst="rect">
             <a:avLst/>
           </a:prstGeom>
         </p:spPr>
       </p:pic>
-      <p:sp>
-        <p:nvSpPr>
-          <p:cNvPr id="5" name="Textfeld 4">
-            <a:extLst>
-              <a:ext uri="{FF2B5EF4-FFF2-40B4-BE49-F238E27FC236}">
-                <a16:creationId xmlns:a16="http://schemas.microsoft.com/office/drawing/2014/main" id="{C0485203-B913-459B-919E-CE1E566C886D}"/>
+      <p:pic>
+        <p:nvPicPr>
+          <p:cNvPr id="3" name="Grafik 2">
+            <a:extLst>
+              <a:ext uri="{FF2B5EF4-FFF2-40B4-BE49-F238E27FC236}">
+                <a16:creationId xmlns:a16="http://schemas.microsoft.com/office/drawing/2014/main" id="{63042D71-0159-46F4-A5C8-695554310D57}"/>
+              </a:ext>
+            </a:extLst>
+          </p:cNvPr>
+          <p:cNvPicPr>
+            <a:picLocks noChangeAspect="1"/>
+          </p:cNvPicPr>
+          <p:nvPr/>
+        </p:nvPicPr>
+        <p:blipFill>
+          <a:blip r:embed="rId3"/>
+          <a:stretch>
+            <a:fillRect/>
+          </a:stretch>
+        </p:blipFill>
+        <p:spPr>
+          <a:xfrm>
+            <a:off x="6502400" y="4686300"/>
+            <a:ext cx="2220526" cy="1220787"/>
+          </a:xfrm>
+          <a:prstGeom prst="rect">
+            <a:avLst/>
+          </a:prstGeom>
+        </p:spPr>
+      </p:pic>
+      <p:pic>
+        <p:nvPicPr>
+          <p:cNvPr id="7" name="Grafik 6">
+            <a:extLst>
+              <a:ext uri="{FF2B5EF4-FFF2-40B4-BE49-F238E27FC236}">
+                <a16:creationId xmlns:a16="http://schemas.microsoft.com/office/drawing/2014/main" id="{1032B961-C799-4718-8BAB-E9C5848FDE6E}"/>
+              </a:ext>
+            </a:extLst>
+          </p:cNvPr>
+          <p:cNvPicPr>
+            <a:picLocks noChangeAspect="1"/>
+          </p:cNvPicPr>
+          <p:nvPr/>
+        </p:nvPicPr>
+        <p:blipFill>
+          <a:blip r:embed="rId4"/>
+          <a:stretch>
+            <a:fillRect/>
+          </a:stretch>
+        </p:blipFill>
+        <p:spPr>
+          <a:xfrm>
+            <a:off x="6651625" y="2742894"/>
+            <a:ext cx="2117725" cy="942967"/>
+          </a:xfrm>
+          <a:prstGeom prst="rect">
+            <a:avLst/>
+          </a:prstGeom>
+        </p:spPr>
+      </p:pic>
+      <p:sp>
+        <p:nvSpPr>
+          <p:cNvPr id="8" name="Textfeld 7">
+            <a:extLst>
+              <a:ext uri="{FF2B5EF4-FFF2-40B4-BE49-F238E27FC236}">
+                <a16:creationId xmlns:a16="http://schemas.microsoft.com/office/drawing/2014/main" id="{3F2A67D2-759B-4CBE-A556-D17DB09A5EF8}"/>
               </a:ext>
             </a:extLst>
           </p:cNvPr>
@@ -6260,7 +7211,7 @@
         <p:spPr>
           <a:xfrm>
             <a:off x="882650" y="1847850"/>
-            <a:ext cx="7137400" cy="369332"/>
+            <a:ext cx="5334000" cy="1477328"/>
           </a:xfrm>
           <a:prstGeom prst="rect">
             <a:avLst/>
@@ -6279,7 +7230,47 @@
             </a:pPr>
             <a:r>
               <a:rPr lang="de-CH" dirty="0"/>
-              <a:t>«Jetzt Buchen» Button wurde schnell gefunden</a:t>
+              <a:t>Farbkodierung muss genauer sein</a:t>
+            </a:r>
+          </a:p>
+          <a:p>
+            <a:pPr marL="285750" indent="-285750">
+              <a:buFont typeface="Arial" panose="020B0604020202020204" pitchFamily="34" charset="0"/>
+              <a:buChar char="•"/>
+            </a:pPr>
+            <a:r>
+              <a:rPr lang="de-CH" dirty="0"/>
+              <a:t>Neuer Test mit</a:t>
+            </a:r>
+          </a:p>
+          <a:p>
+            <a:pPr marL="742950" lvl="1" indent="-285750">
+              <a:buFont typeface="Arial" panose="020B0604020202020204" pitchFamily="34" charset="0"/>
+              <a:buChar char="•"/>
+            </a:pPr>
+            <a:r>
+              <a:rPr lang="de-CH" dirty="0"/>
+              <a:t>Nicht verfügbar =&gt; Ausgegraut</a:t>
+            </a:r>
+          </a:p>
+          <a:p>
+            <a:pPr marL="742950" lvl="1" indent="-285750">
+              <a:buFont typeface="Arial" panose="020B0604020202020204" pitchFamily="34" charset="0"/>
+              <a:buChar char="•"/>
+            </a:pPr>
+            <a:r>
+              <a:rPr lang="de-CH" dirty="0"/>
+              <a:t>Verfügbar =&gt; Normal, schwarz</a:t>
+            </a:r>
+          </a:p>
+          <a:p>
+            <a:pPr marL="742950" lvl="1" indent="-285750">
+              <a:buFont typeface="Arial" panose="020B0604020202020204" pitchFamily="34" charset="0"/>
+              <a:buChar char="•"/>
+            </a:pPr>
+            <a:r>
+              <a:rPr lang="de-CH" dirty="0"/>
+              <a:t>Ausgewählt =&gt; Grün</a:t>
             </a:r>
             <a:endParaRPr lang="en-US" dirty="0"/>
           </a:p>
@@ -6288,7 +7279,7 @@
     </p:spTree>
     <p:extLst>
       <p:ext uri="{BB962C8B-B14F-4D97-AF65-F5344CB8AC3E}">
-        <p14:creationId xmlns:p14="http://schemas.microsoft.com/office/powerpoint/2010/main" val="2560245437"/>
+        <p14:creationId xmlns:p14="http://schemas.microsoft.com/office/powerpoint/2010/main" val="1243966148"/>
       </p:ext>
     </p:extLst>
   </p:cSld>
